--- a/Demographic Correlations in Consumer Behavior v2.pptx
+++ b/Demographic Correlations in Consumer Behavior v2.pptx
@@ -5,7 +5,7 @@
     <p:sldMasterId id="2147483708" r:id="rId1"/>
   </p:sldMasterIdLst>
   <p:notesMasterIdLst>
-    <p:notesMasterId r:id="rId17"/>
+    <p:notesMasterId r:id="rId19"/>
   </p:notesMasterIdLst>
   <p:sldIdLst>
     <p:sldId id="256" r:id="rId2"/>
@@ -15,14 +15,16 @@
     <p:sldId id="270" r:id="rId6"/>
     <p:sldId id="259" r:id="rId7"/>
     <p:sldId id="260" r:id="rId8"/>
-    <p:sldId id="262" r:id="rId9"/>
-    <p:sldId id="263" r:id="rId10"/>
-    <p:sldId id="264" r:id="rId11"/>
-    <p:sldId id="265" r:id="rId12"/>
-    <p:sldId id="266" r:id="rId13"/>
-    <p:sldId id="268" r:id="rId14"/>
-    <p:sldId id="267" r:id="rId15"/>
-    <p:sldId id="269" r:id="rId16"/>
+    <p:sldId id="265" r:id="rId9"/>
+    <p:sldId id="271" r:id="rId10"/>
+    <p:sldId id="263" r:id="rId11"/>
+    <p:sldId id="272" r:id="rId12"/>
+    <p:sldId id="262" r:id="rId13"/>
+    <p:sldId id="264" r:id="rId14"/>
+    <p:sldId id="266" r:id="rId15"/>
+    <p:sldId id="268" r:id="rId16"/>
+    <p:sldId id="267" r:id="rId17"/>
+    <p:sldId id="269" r:id="rId18"/>
   </p:sldIdLst>
   <p:sldSz cx="12192000" cy="6858000"/>
   <p:notesSz cx="6858000" cy="9144000"/>
@@ -593,7 +595,140 @@
           <a:p>
             <a:fld id="{1A9F2185-E8AF-3942-B433-FC73E0042EC2}" type="slidenum">
               <a:rPr lang="en-US" smtClean="0"/>
-              <a:t>8</a:t>
+              <a:t>11</a:t>
+            </a:fld>
+            <a:endParaRPr lang="en-US"/>
+          </a:p>
+        </p:txBody>
+      </p:sp>
+    </p:spTree>
+    <p:extLst>
+      <p:ext uri="{BB962C8B-B14F-4D97-AF65-F5344CB8AC3E}">
+        <p14:creationId xmlns:p14="http://schemas.microsoft.com/office/powerpoint/2010/main" val="779822745"/>
+      </p:ext>
+    </p:extLst>
+  </p:cSld>
+  <p:clrMapOvr>
+    <a:masterClrMapping/>
+  </p:clrMapOvr>
+</p:notes>
+</file>
+
+<file path=ppt/notesSlides/notesSlide2.xml><?xml version="1.0" encoding="utf-8"?>
+<p:notes xmlns:a="http://schemas.openxmlformats.org/drawingml/2006/main" xmlns:r="http://schemas.openxmlformats.org/officeDocument/2006/relationships" xmlns:p="http://schemas.openxmlformats.org/presentationml/2006/main">
+  <p:cSld>
+    <p:spTree>
+      <p:nvGrpSpPr>
+        <p:cNvPr id="1" name=""/>
+        <p:cNvGrpSpPr/>
+        <p:nvPr/>
+      </p:nvGrpSpPr>
+      <p:grpSpPr>
+        <a:xfrm>
+          <a:off x="0" y="0"/>
+          <a:ext cx="0" cy="0"/>
+          <a:chOff x="0" y="0"/>
+          <a:chExt cx="0" cy="0"/>
+        </a:xfrm>
+      </p:grpSpPr>
+      <p:sp>
+        <p:nvSpPr>
+          <p:cNvPr id="2" name="Slide Image Placeholder 1"/>
+          <p:cNvSpPr>
+            <a:spLocks noGrp="1" noRot="1" noChangeAspect="1"/>
+          </p:cNvSpPr>
+          <p:nvPr>
+            <p:ph type="sldImg"/>
+          </p:nvPr>
+        </p:nvSpPr>
+        <p:spPr/>
+      </p:sp>
+      <p:sp>
+        <p:nvSpPr>
+          <p:cNvPr id="3" name="Notes Placeholder 2"/>
+          <p:cNvSpPr>
+            <a:spLocks noGrp="1"/>
+          </p:cNvSpPr>
+          <p:nvPr>
+            <p:ph type="body" idx="1"/>
+          </p:nvPr>
+        </p:nvSpPr>
+        <p:spPr/>
+        <p:txBody>
+          <a:bodyPr/>
+          <a:lstStyle/>
+          <a:p>
+            <a:r>
+              <a:rPr lang="en-US" dirty="0" smtClean="0"/>
+              <a:t>People younger</a:t>
+            </a:r>
+            <a:r>
+              <a:rPr lang="en-US" baseline="0" dirty="0" smtClean="0"/>
+              <a:t> than 30 tend to be harsher with their average rating; &lt;20 </a:t>
+            </a:r>
+            <a:r>
+              <a:rPr lang="en-US" baseline="0" dirty="0" err="1" smtClean="0"/>
+              <a:t>avg</a:t>
+            </a:r>
+            <a:r>
+              <a:rPr lang="en-US" baseline="0" dirty="0" smtClean="0"/>
+              <a:t> rating is 4.1; 20-24 </a:t>
+            </a:r>
+            <a:r>
+              <a:rPr lang="en-US" baseline="0" dirty="0" err="1" smtClean="0"/>
+              <a:t>avg</a:t>
+            </a:r>
+            <a:r>
+              <a:rPr lang="en-US" baseline="0" dirty="0" smtClean="0"/>
+              <a:t> rating is 4.05</a:t>
+            </a:r>
+          </a:p>
+          <a:p>
+            <a:endParaRPr lang="en-US" baseline="0" dirty="0" smtClean="0"/>
+          </a:p>
+          <a:p>
+            <a:r>
+              <a:rPr lang="en-US" baseline="0" dirty="0" smtClean="0"/>
+              <a:t>People between 25-35 and 65+ have the highest ratings for restaurants, </a:t>
+            </a:r>
+            <a:r>
+              <a:rPr lang="en-US" baseline="0" dirty="0" err="1" smtClean="0"/>
+              <a:t>avg</a:t>
+            </a:r>
+            <a:r>
+              <a:rPr lang="en-US" baseline="0" dirty="0" smtClean="0"/>
+              <a:t> for both age groups is 4.19</a:t>
+            </a:r>
+          </a:p>
+          <a:p>
+            <a:endParaRPr lang="en-US" baseline="0" dirty="0" smtClean="0"/>
+          </a:p>
+          <a:p>
+            <a:r>
+              <a:rPr lang="en-US" baseline="0" dirty="0" smtClean="0"/>
+              <a:t>Older people write more than younger people; people over 55 have a review count rate higher than 1; review count rate is the number of reviews/population </a:t>
+            </a:r>
+          </a:p>
+        </p:txBody>
+      </p:sp>
+      <p:sp>
+        <p:nvSpPr>
+          <p:cNvPr id="4" name="Slide Number Placeholder 3"/>
+          <p:cNvSpPr>
+            <a:spLocks noGrp="1"/>
+          </p:cNvSpPr>
+          <p:nvPr>
+            <p:ph type="sldNum" sz="quarter" idx="10"/>
+          </p:nvPr>
+        </p:nvSpPr>
+        <p:spPr/>
+        <p:txBody>
+          <a:bodyPr/>
+          <a:lstStyle/>
+          <a:p>
+            <a:fld id="{1A9F2185-E8AF-3942-B433-FC73E0042EC2}" type="slidenum">
+              <a:rPr lang="en-US" smtClean="0"/>
+              <a:t>12</a:t>
             </a:fld>
             <a:endParaRPr lang="en-US"/>
           </a:p>
@@ -6664,7 +6799,7 @@
           <p:cNvPr id="7" name="Rectangle 6">
             <a:extLst>
               <a:ext uri="{FF2B5EF4-FFF2-40B4-BE49-F238E27FC236}">
-                <a16:creationId xmlns="" xmlns:a16="http://schemas.microsoft.com/office/drawing/2014/main" id="{15655827-B42D-4180-88D3-D83F25E4BD1C}"/>
+                <a16:creationId xmlns:a16="http://schemas.microsoft.com/office/drawing/2014/main" xmlns="" id="{15655827-B42D-4180-88D3-D83F25E4BD1C}"/>
               </a:ext>
             </a:extLst>
           </p:cNvPr>
@@ -6674,7 +6809,7 @@
           <p:nvPr>
             <p:extLst>
               <p:ext uri="{386F3935-93C4-4BCD-93E2-E3B085C9AB24}">
-                <p16:designElem xmlns="" xmlns:p16="http://schemas.microsoft.com/office/powerpoint/2015/main" val="1"/>
+                <p16:designElem xmlns:p16="http://schemas.microsoft.com/office/powerpoint/2015/main" val="1"/>
               </p:ext>
             </p:extLst>
           </p:nvPr>
@@ -6706,7 +6841,7 @@
           <p:cNvPr id="22" name="Freeform: Shape 8">
             <a:extLst>
               <a:ext uri="{FF2B5EF4-FFF2-40B4-BE49-F238E27FC236}">
-                <a16:creationId xmlns="" xmlns:a16="http://schemas.microsoft.com/office/drawing/2014/main" id="{24ACCB06-563C-4ADE-B4D6-1FE9F723C7D9}"/>
+                <a16:creationId xmlns:a16="http://schemas.microsoft.com/office/drawing/2014/main" xmlns="" id="{24ACCB06-563C-4ADE-B4D6-1FE9F723C7D9}"/>
               </a:ext>
             </a:extLst>
           </p:cNvPr>
@@ -6716,7 +6851,7 @@
           <p:nvPr>
             <p:extLst>
               <p:ext uri="{386F3935-93C4-4BCD-93E2-E3B085C9AB24}">
-                <p16:designElem xmlns="" xmlns:p16="http://schemas.microsoft.com/office/powerpoint/2015/main" val="1"/>
+                <p16:designElem xmlns:p16="http://schemas.microsoft.com/office/powerpoint/2015/main" val="1"/>
               </p:ext>
             </p:extLst>
           </p:nvPr>
@@ -6785,7 +6920,7 @@
           <p:cNvPr id="23" name="Freeform: Shape 10">
             <a:extLst>
               <a:ext uri="{FF2B5EF4-FFF2-40B4-BE49-F238E27FC236}">
-                <a16:creationId xmlns="" xmlns:a16="http://schemas.microsoft.com/office/drawing/2014/main" id="{40761ECD-D92B-46AE-82CA-640023D282F9}"/>
+                <a16:creationId xmlns:a16="http://schemas.microsoft.com/office/drawing/2014/main" xmlns="" id="{40761ECD-D92B-46AE-82CA-640023D282F9}"/>
               </a:ext>
             </a:extLst>
           </p:cNvPr>
@@ -6795,7 +6930,7 @@
           <p:nvPr>
             <p:extLst>
               <p:ext uri="{386F3935-93C4-4BCD-93E2-E3B085C9AB24}">
-                <p16:designElem xmlns="" xmlns:p16="http://schemas.microsoft.com/office/powerpoint/2015/main" val="1"/>
+                <p16:designElem xmlns:p16="http://schemas.microsoft.com/office/powerpoint/2015/main" val="1"/>
               </p:ext>
             </p:extLst>
           </p:nvPr>
@@ -6866,7 +7001,7 @@
           <p:cNvPr id="13" name="Freeform: Shape 12">
             <a:extLst>
               <a:ext uri="{FF2B5EF4-FFF2-40B4-BE49-F238E27FC236}">
-                <a16:creationId xmlns="" xmlns:a16="http://schemas.microsoft.com/office/drawing/2014/main" id="{9A928607-C55C-40FD-B2DF-6CD6A7226A71}"/>
+                <a16:creationId xmlns:a16="http://schemas.microsoft.com/office/drawing/2014/main" xmlns="" id="{9A928607-C55C-40FD-B2DF-6CD6A7226A71}"/>
               </a:ext>
             </a:extLst>
           </p:cNvPr>
@@ -6876,7 +7011,7 @@
           <p:nvPr>
             <p:extLst>
               <p:ext uri="{386F3935-93C4-4BCD-93E2-E3B085C9AB24}">
-                <p16:designElem xmlns="" xmlns:p16="http://schemas.microsoft.com/office/powerpoint/2015/main" val="1"/>
+                <p16:designElem xmlns:p16="http://schemas.microsoft.com/office/powerpoint/2015/main" val="1"/>
               </p:ext>
             </p:extLst>
           </p:nvPr>
@@ -6947,7 +7082,7 @@
           <p:cNvPr id="15" name="Freeform: Shape 14">
             <a:extLst>
               <a:ext uri="{FF2B5EF4-FFF2-40B4-BE49-F238E27FC236}">
-                <a16:creationId xmlns="" xmlns:a16="http://schemas.microsoft.com/office/drawing/2014/main" id="{400A20C1-29A4-43E0-AB15-7931F76F8C2D}"/>
+                <a16:creationId xmlns:a16="http://schemas.microsoft.com/office/drawing/2014/main" xmlns="" id="{400A20C1-29A4-43E0-AB15-7931F76F8C2D}"/>
               </a:ext>
             </a:extLst>
           </p:cNvPr>
@@ -6957,7 +7092,7 @@
           <p:nvPr>
             <p:extLst>
               <p:ext uri="{386F3935-93C4-4BCD-93E2-E3B085C9AB24}">
-                <p16:designElem xmlns="" xmlns:p16="http://schemas.microsoft.com/office/powerpoint/2015/main" val="1"/>
+                <p16:designElem xmlns:p16="http://schemas.microsoft.com/office/powerpoint/2015/main" val="1"/>
               </p:ext>
             </p:extLst>
           </p:nvPr>
@@ -7026,7 +7161,7 @@
           <p:cNvPr id="2" name="Title 1">
             <a:extLst>
               <a:ext uri="{FF2B5EF4-FFF2-40B4-BE49-F238E27FC236}">
-                <a16:creationId xmlns="" xmlns:a16="http://schemas.microsoft.com/office/drawing/2014/main" id="{7A767752-1D9F-4C78-9122-67FCAF12BDCE}"/>
+                <a16:creationId xmlns:a16="http://schemas.microsoft.com/office/drawing/2014/main" xmlns="" id="{7A767752-1D9F-4C78-9122-67FCAF12BDCE}"/>
               </a:ext>
             </a:extLst>
           </p:cNvPr>
@@ -7121,7 +7256,7 @@
           <p:cNvPr id="10" name="Straight Connector 9">
             <a:extLst>
               <a:ext uri="{FF2B5EF4-FFF2-40B4-BE49-F238E27FC236}">
-                <a16:creationId xmlns="" xmlns:a16="http://schemas.microsoft.com/office/drawing/2014/main" id="{81126FB5-E774-419D-86D2-A5907D959604}"/>
+                <a16:creationId xmlns:a16="http://schemas.microsoft.com/office/drawing/2014/main" xmlns="" id="{81126FB5-E774-419D-86D2-A5907D959604}"/>
               </a:ext>
             </a:extLst>
           </p:cNvPr>
@@ -7190,7 +7325,458 @@
           <p:cNvPr id="2" name="Title 1">
             <a:extLst>
               <a:ext uri="{FF2B5EF4-FFF2-40B4-BE49-F238E27FC236}">
-                <a16:creationId xmlns="" xmlns:a16="http://schemas.microsoft.com/office/drawing/2014/main" id="{DFB5291A-65CF-40FE-A36D-B336FB0B2190}"/>
+                <a16:creationId xmlns:a16="http://schemas.microsoft.com/office/drawing/2014/main" xmlns="" id="{EFCE46B2-DE65-4A6A-B6D3-62E94E56C710}"/>
+              </a:ext>
+            </a:extLst>
+          </p:cNvPr>
+          <p:cNvSpPr>
+            <a:spLocks noGrp="1"/>
+          </p:cNvSpPr>
+          <p:nvPr>
+            <p:ph type="title"/>
+          </p:nvPr>
+        </p:nvSpPr>
+        <p:spPr>
+          <a:xfrm>
+            <a:off x="2173287" y="-399436"/>
+            <a:ext cx="10018713" cy="1752599"/>
+          </a:xfrm>
+        </p:spPr>
+        <p:txBody>
+          <a:bodyPr/>
+          <a:lstStyle/>
+          <a:p>
+            <a:r>
+              <a:rPr lang="en-US" dirty="0"/>
+              <a:t>Ethnicity vs. Review Count</a:t>
+            </a:r>
+          </a:p>
+        </p:txBody>
+      </p:sp>
+      <p:pic>
+        <p:nvPicPr>
+          <p:cNvPr id="4" name="Picture 3">
+            <a:extLst>
+              <a:ext uri="{FF2B5EF4-FFF2-40B4-BE49-F238E27FC236}">
+                <a16:creationId xmlns:a16="http://schemas.microsoft.com/office/drawing/2014/main" xmlns="" id="{26B56FBC-1D9C-524D-B3B4-DD1F5AED6DA8}"/>
+              </a:ext>
+            </a:extLst>
+          </p:cNvPr>
+          <p:cNvPicPr>
+            <a:picLocks noChangeAspect="1"/>
+          </p:cNvPicPr>
+          <p:nvPr/>
+        </p:nvPicPr>
+        <p:blipFill>
+          <a:blip r:embed="rId2">
+            <a:extLst>
+              <a:ext uri="{28A0092B-C50C-407E-A947-70E740481C1C}">
+                <a14:useLocalDpi xmlns:a14="http://schemas.microsoft.com/office/drawing/2010/main" val="0"/>
+              </a:ext>
+            </a:extLst>
+          </a:blip>
+          <a:stretch>
+            <a:fillRect/>
+          </a:stretch>
+        </p:blipFill>
+        <p:spPr>
+          <a:xfrm>
+            <a:off x="7574595" y="3501078"/>
+            <a:ext cx="3569684" cy="3356922"/>
+          </a:xfrm>
+          <a:prstGeom prst="rect">
+            <a:avLst/>
+          </a:prstGeom>
+        </p:spPr>
+      </p:pic>
+      <p:pic>
+        <p:nvPicPr>
+          <p:cNvPr id="7" name="Picture 6">
+            <a:extLst>
+              <a:ext uri="{FF2B5EF4-FFF2-40B4-BE49-F238E27FC236}">
+                <a16:creationId xmlns:a16="http://schemas.microsoft.com/office/drawing/2014/main" xmlns="" id="{B64C5D0D-B6B5-8E49-BAD1-0DA196797E76}"/>
+              </a:ext>
+            </a:extLst>
+          </p:cNvPr>
+          <p:cNvPicPr>
+            <a:picLocks noChangeAspect="1"/>
+          </p:cNvPicPr>
+          <p:nvPr/>
+        </p:nvPicPr>
+        <p:blipFill>
+          <a:blip r:embed="rId3">
+            <a:extLst>
+              <a:ext uri="{28A0092B-C50C-407E-A947-70E740481C1C}">
+                <a14:useLocalDpi xmlns:a14="http://schemas.microsoft.com/office/drawing/2010/main" val="0"/>
+              </a:ext>
+            </a:extLst>
+          </a:blip>
+          <a:stretch>
+            <a:fillRect/>
+          </a:stretch>
+        </p:blipFill>
+        <p:spPr>
+          <a:xfrm>
+            <a:off x="3344747" y="3500224"/>
+            <a:ext cx="3775514" cy="3292859"/>
+          </a:xfrm>
+          <a:prstGeom prst="rect">
+            <a:avLst/>
+          </a:prstGeom>
+        </p:spPr>
+      </p:pic>
+      <p:pic>
+        <p:nvPicPr>
+          <p:cNvPr id="11" name="Picture 10">
+            <a:extLst>
+              <a:ext uri="{FF2B5EF4-FFF2-40B4-BE49-F238E27FC236}">
+                <a16:creationId xmlns:a16="http://schemas.microsoft.com/office/drawing/2014/main" xmlns="" id="{E4BE1FC0-81A9-944A-8983-15022CC05C38}"/>
+              </a:ext>
+            </a:extLst>
+          </p:cNvPr>
+          <p:cNvPicPr>
+            <a:picLocks noChangeAspect="1"/>
+          </p:cNvPicPr>
+          <p:nvPr/>
+        </p:nvPicPr>
+        <p:blipFill>
+          <a:blip r:embed="rId4">
+            <a:extLst>
+              <a:ext uri="{28A0092B-C50C-407E-A947-70E740481C1C}">
+                <a14:useLocalDpi xmlns:a14="http://schemas.microsoft.com/office/drawing/2010/main" val="0"/>
+              </a:ext>
+            </a:extLst>
+          </a:blip>
+          <a:stretch>
+            <a:fillRect/>
+          </a:stretch>
+        </p:blipFill>
+        <p:spPr>
+          <a:xfrm>
+            <a:off x="7332006" y="767947"/>
+            <a:ext cx="4054862" cy="2702821"/>
+          </a:xfrm>
+          <a:prstGeom prst="rect">
+            <a:avLst/>
+          </a:prstGeom>
+        </p:spPr>
+      </p:pic>
+      <p:pic>
+        <p:nvPicPr>
+          <p:cNvPr id="14" name="Picture 13">
+            <a:extLst>
+              <a:ext uri="{FF2B5EF4-FFF2-40B4-BE49-F238E27FC236}">
+                <a16:creationId xmlns:a16="http://schemas.microsoft.com/office/drawing/2014/main" xmlns="" id="{C4F0C83D-4C0D-784C-A2D6-51CE10AEFE91}"/>
+              </a:ext>
+            </a:extLst>
+          </p:cNvPr>
+          <p:cNvPicPr>
+            <a:picLocks noChangeAspect="1"/>
+          </p:cNvPicPr>
+          <p:nvPr/>
+        </p:nvPicPr>
+        <p:blipFill>
+          <a:blip r:embed="rId5">
+            <a:extLst>
+              <a:ext uri="{28A0092B-C50C-407E-A947-70E740481C1C}">
+                <a14:useLocalDpi xmlns:a14="http://schemas.microsoft.com/office/drawing/2010/main" val="0"/>
+              </a:ext>
+            </a:extLst>
+          </a:blip>
+          <a:stretch>
+            <a:fillRect/>
+          </a:stretch>
+        </p:blipFill>
+        <p:spPr>
+          <a:xfrm>
+            <a:off x="3053750" y="767948"/>
+            <a:ext cx="4066511" cy="2732276"/>
+          </a:xfrm>
+          <a:prstGeom prst="rect">
+            <a:avLst/>
+          </a:prstGeom>
+        </p:spPr>
+      </p:pic>
+    </p:spTree>
+    <p:extLst>
+      <p:ext uri="{BB962C8B-B14F-4D97-AF65-F5344CB8AC3E}">
+        <p14:creationId xmlns:p14="http://schemas.microsoft.com/office/powerpoint/2010/main" val="2462464545"/>
+      </p:ext>
+    </p:extLst>
+  </p:cSld>
+  <p:clrMapOvr>
+    <a:masterClrMapping/>
+  </p:clrMapOvr>
+</p:sld>
+</file>
+
+<file path=ppt/slides/slide11.xml><?xml version="1.0" encoding="utf-8"?>
+<p:sld xmlns:a="http://schemas.openxmlformats.org/drawingml/2006/main" xmlns:r="http://schemas.openxmlformats.org/officeDocument/2006/relationships" xmlns:p="http://schemas.openxmlformats.org/presentationml/2006/main">
+  <p:cSld>
+    <p:spTree>
+      <p:nvGrpSpPr>
+        <p:cNvPr id="1" name=""/>
+        <p:cNvGrpSpPr/>
+        <p:nvPr/>
+      </p:nvGrpSpPr>
+      <p:grpSpPr>
+        <a:xfrm>
+          <a:off x="0" y="0"/>
+          <a:ext cx="0" cy="0"/>
+          <a:chOff x="0" y="0"/>
+          <a:chExt cx="0" cy="0"/>
+        </a:xfrm>
+      </p:grpSpPr>
+      <p:sp>
+        <p:nvSpPr>
+          <p:cNvPr id="2" name="Title 1">
+            <a:extLst>
+              <a:ext uri="{FF2B5EF4-FFF2-40B4-BE49-F238E27FC236}">
+                <a16:creationId xmlns:a16="http://schemas.microsoft.com/office/drawing/2014/main" xmlns="" id="{8670A59C-57FE-4DE3-844B-7B8D57341B88}"/>
+              </a:ext>
+            </a:extLst>
+          </p:cNvPr>
+          <p:cNvSpPr>
+            <a:spLocks noGrp="1"/>
+          </p:cNvSpPr>
+          <p:nvPr>
+            <p:ph type="title"/>
+          </p:nvPr>
+        </p:nvSpPr>
+        <p:spPr>
+          <a:xfrm>
+            <a:off x="1458911" y="0"/>
+            <a:ext cx="10018713" cy="1752599"/>
+          </a:xfrm>
+        </p:spPr>
+        <p:txBody>
+          <a:bodyPr/>
+          <a:lstStyle/>
+          <a:p>
+            <a:r>
+              <a:rPr lang="en-US" dirty="0" smtClean="0">
+                <a:latin typeface="Century Gothic" panose="020B0502020202020204" pitchFamily="34" charset="0"/>
+              </a:rPr>
+              <a:t>Age of Yelp Users</a:t>
+            </a:r>
+            <a:endParaRPr lang="en-US" dirty="0">
+              <a:latin typeface="Century Gothic" panose="020B0502020202020204" pitchFamily="34" charset="0"/>
+            </a:endParaRPr>
+          </a:p>
+        </p:txBody>
+      </p:sp>
+      <p:pic>
+        <p:nvPicPr>
+          <p:cNvPr id="6" name="Content Placeholder 5"/>
+          <p:cNvPicPr>
+            <a:picLocks noGrp="1" noChangeAspect="1"/>
+          </p:cNvPicPr>
+          <p:nvPr>
+            <p:ph idx="1"/>
+          </p:nvPr>
+        </p:nvPicPr>
+        <p:blipFill>
+          <a:blip r:embed="rId3">
+            <a:extLst>
+              <a:ext uri="{28A0092B-C50C-407E-A947-70E740481C1C}">
+                <a14:useLocalDpi xmlns:a14="http://schemas.microsoft.com/office/drawing/2010/main" val="0"/>
+              </a:ext>
+            </a:extLst>
+          </a:blip>
+          <a:stretch>
+            <a:fillRect/>
+          </a:stretch>
+        </p:blipFill>
+        <p:spPr>
+          <a:xfrm>
+            <a:off x="3661511" y="1752599"/>
+            <a:ext cx="5613512" cy="3907972"/>
+          </a:xfrm>
+        </p:spPr>
+      </p:pic>
+    </p:spTree>
+    <p:extLst>
+      <p:ext uri="{BB962C8B-B14F-4D97-AF65-F5344CB8AC3E}">
+        <p14:creationId xmlns:p14="http://schemas.microsoft.com/office/powerpoint/2010/main" val="2002379726"/>
+      </p:ext>
+    </p:extLst>
+  </p:cSld>
+  <p:clrMapOvr>
+    <a:masterClrMapping/>
+  </p:clrMapOvr>
+</p:sld>
+</file>
+
+<file path=ppt/slides/slide12.xml><?xml version="1.0" encoding="utf-8"?>
+<p:sld xmlns:a="http://schemas.openxmlformats.org/drawingml/2006/main" xmlns:r="http://schemas.openxmlformats.org/officeDocument/2006/relationships" xmlns:p="http://schemas.openxmlformats.org/presentationml/2006/main">
+  <p:cSld>
+    <p:spTree>
+      <p:nvGrpSpPr>
+        <p:cNvPr id="1" name=""/>
+        <p:cNvGrpSpPr/>
+        <p:nvPr/>
+      </p:nvGrpSpPr>
+      <p:grpSpPr>
+        <a:xfrm>
+          <a:off x="0" y="0"/>
+          <a:ext cx="0" cy="0"/>
+          <a:chOff x="0" y="0"/>
+          <a:chExt cx="0" cy="0"/>
+        </a:xfrm>
+      </p:grpSpPr>
+      <p:sp>
+        <p:nvSpPr>
+          <p:cNvPr id="2" name="Title 1">
+            <a:extLst>
+              <a:ext uri="{FF2B5EF4-FFF2-40B4-BE49-F238E27FC236}">
+                <a16:creationId xmlns:a16="http://schemas.microsoft.com/office/drawing/2014/main" xmlns="" id="{8670A59C-57FE-4DE3-844B-7B8D57341B88}"/>
+              </a:ext>
+            </a:extLst>
+          </p:cNvPr>
+          <p:cNvSpPr>
+            <a:spLocks noGrp="1"/>
+          </p:cNvSpPr>
+          <p:nvPr>
+            <p:ph type="title"/>
+          </p:nvPr>
+        </p:nvSpPr>
+        <p:spPr>
+          <a:xfrm>
+            <a:off x="1458911" y="0"/>
+            <a:ext cx="10018713" cy="1752599"/>
+          </a:xfrm>
+        </p:spPr>
+        <p:txBody>
+          <a:bodyPr/>
+          <a:lstStyle/>
+          <a:p>
+            <a:r>
+              <a:rPr lang="en-US" dirty="0">
+                <a:latin typeface="Century Gothic" panose="020B0502020202020204" pitchFamily="34" charset="0"/>
+              </a:rPr>
+              <a:t>Review Count by Age</a:t>
+            </a:r>
+          </a:p>
+        </p:txBody>
+      </p:sp>
+      <p:pic>
+        <p:nvPicPr>
+          <p:cNvPr id="4" name="Content Placeholder 3">
+            <a:extLst>
+              <a:ext uri="{FF2B5EF4-FFF2-40B4-BE49-F238E27FC236}">
+                <a16:creationId xmlns:a16="http://schemas.microsoft.com/office/drawing/2014/main" xmlns="" id="{27B87EBF-A137-4D3E-A7C3-BE0AC57D8BD7}"/>
+              </a:ext>
+            </a:extLst>
+          </p:cNvPr>
+          <p:cNvPicPr>
+            <a:picLocks noGrp="1" noChangeAspect="1"/>
+          </p:cNvPicPr>
+          <p:nvPr>
+            <p:ph idx="1"/>
+          </p:nvPr>
+        </p:nvPicPr>
+        <p:blipFill>
+          <a:blip r:embed="rId3"/>
+          <a:stretch>
+            <a:fillRect/>
+          </a:stretch>
+        </p:blipFill>
+        <p:spPr>
+          <a:xfrm>
+            <a:off x="1980403" y="2002389"/>
+            <a:ext cx="4487864" cy="3014113"/>
+          </a:xfrm>
+          <a:prstGeom prst="rect">
+            <a:avLst/>
+          </a:prstGeom>
+          <a:ln>
+            <a:noFill/>
+          </a:ln>
+          <a:effectLst>
+            <a:outerShdw blurRad="292100" dist="139700" dir="2700000" algn="tl" rotWithShape="0">
+              <a:srgbClr val="333333">
+                <a:alpha val="65000"/>
+              </a:srgbClr>
+            </a:outerShdw>
+          </a:effectLst>
+        </p:spPr>
+      </p:pic>
+      <p:pic>
+        <p:nvPicPr>
+          <p:cNvPr id="5" name="Picture 4">
+            <a:extLst>
+              <a:ext uri="{FF2B5EF4-FFF2-40B4-BE49-F238E27FC236}">
+                <a16:creationId xmlns:a16="http://schemas.microsoft.com/office/drawing/2014/main" xmlns="" id="{F4196D0B-DD7F-45B7-BE74-8F04EBB5BCE7}"/>
+              </a:ext>
+            </a:extLst>
+          </p:cNvPr>
+          <p:cNvPicPr>
+            <a:picLocks noChangeAspect="1"/>
+          </p:cNvPicPr>
+          <p:nvPr/>
+        </p:nvPicPr>
+        <p:blipFill>
+          <a:blip r:embed="rId4"/>
+          <a:stretch>
+            <a:fillRect/>
+          </a:stretch>
+        </p:blipFill>
+        <p:spPr>
+          <a:xfrm>
+            <a:off x="6734562" y="2035694"/>
+            <a:ext cx="4479538" cy="2980808"/>
+          </a:xfrm>
+          <a:prstGeom prst="rect">
+            <a:avLst/>
+          </a:prstGeom>
+          <a:ln>
+            <a:noFill/>
+          </a:ln>
+          <a:effectLst>
+            <a:outerShdw blurRad="292100" dist="139700" dir="2700000" algn="tl" rotWithShape="0">
+              <a:srgbClr val="333333">
+                <a:alpha val="65000"/>
+              </a:srgbClr>
+            </a:outerShdw>
+          </a:effectLst>
+        </p:spPr>
+      </p:pic>
+    </p:spTree>
+    <p:extLst>
+      <p:ext uri="{BB962C8B-B14F-4D97-AF65-F5344CB8AC3E}">
+        <p14:creationId xmlns:p14="http://schemas.microsoft.com/office/powerpoint/2010/main" val="1187286746"/>
+      </p:ext>
+    </p:extLst>
+  </p:cSld>
+  <p:clrMapOvr>
+    <a:masterClrMapping/>
+  </p:clrMapOvr>
+</p:sld>
+</file>
+
+<file path=ppt/slides/slide13.xml><?xml version="1.0" encoding="utf-8"?>
+<p:sld xmlns:a="http://schemas.openxmlformats.org/drawingml/2006/main" xmlns:r="http://schemas.openxmlformats.org/officeDocument/2006/relationships" xmlns:p="http://schemas.openxmlformats.org/presentationml/2006/main">
+  <p:cSld>
+    <p:spTree>
+      <p:nvGrpSpPr>
+        <p:cNvPr id="1" name=""/>
+        <p:cNvGrpSpPr/>
+        <p:nvPr/>
+      </p:nvGrpSpPr>
+      <p:grpSpPr>
+        <a:xfrm>
+          <a:off x="0" y="0"/>
+          <a:ext cx="0" cy="0"/>
+          <a:chOff x="0" y="0"/>
+          <a:chExt cx="0" cy="0"/>
+        </a:xfrm>
+      </p:grpSpPr>
+      <p:sp>
+        <p:nvSpPr>
+          <p:cNvPr id="2" name="Title 1">
+            <a:extLst>
+              <a:ext uri="{FF2B5EF4-FFF2-40B4-BE49-F238E27FC236}">
+                <a16:creationId xmlns:a16="http://schemas.microsoft.com/office/drawing/2014/main" xmlns="" id="{DFB5291A-65CF-40FE-A36D-B336FB0B2190}"/>
               </a:ext>
             </a:extLst>
           </p:cNvPr>
@@ -7225,7 +7811,7 @@
           <p:cNvPr id="5" name="Content Placeholder 4" descr="A screenshot of a cell phone&#10;&#10;Description generated with high confidence">
             <a:extLst>
               <a:ext uri="{FF2B5EF4-FFF2-40B4-BE49-F238E27FC236}">
-                <a16:creationId xmlns="" xmlns:a16="http://schemas.microsoft.com/office/drawing/2014/main" id="{71456401-D887-4448-9B53-9B5E37CE7BB3}"/>
+                <a16:creationId xmlns:a16="http://schemas.microsoft.com/office/drawing/2014/main" xmlns="" id="{71456401-D887-4448-9B53-9B5E37CE7BB3}"/>
               </a:ext>
             </a:extLst>
           </p:cNvPr>
@@ -7273,7 +7859,7 @@
           <p:cNvPr id="7" name="Picture 6" descr="A screenshot of a cell phone&#10;&#10;Description generated with high confidence">
             <a:extLst>
               <a:ext uri="{FF2B5EF4-FFF2-40B4-BE49-F238E27FC236}">
-                <a16:creationId xmlns="" xmlns:a16="http://schemas.microsoft.com/office/drawing/2014/main" id="{C04F2277-8F6B-4C66-87BC-14185AA17E43}"/>
+                <a16:creationId xmlns:a16="http://schemas.microsoft.com/office/drawing/2014/main" xmlns="" id="{C04F2277-8F6B-4C66-87BC-14185AA17E43}"/>
               </a:ext>
             </a:extLst>
           </p:cNvPr>
@@ -7316,10 +7902,10 @@
       </p:pic>
       <p:pic>
         <p:nvPicPr>
-          <p:cNvPr id="9" name="Picture 8" descr="A picture containing screenshot&#10;&#10;Description generated with high confidence">
+          <p:cNvPr id="11" name="Picture 10" descr="A close up of a device&#10;&#10;Description generated with high confidence">
             <a:extLst>
               <a:ext uri="{FF2B5EF4-FFF2-40B4-BE49-F238E27FC236}">
-                <a16:creationId xmlns="" xmlns:a16="http://schemas.microsoft.com/office/drawing/2014/main" id="{65D864B8-208D-4222-8884-E30AEEAEB82F}"/>
+                <a16:creationId xmlns:a16="http://schemas.microsoft.com/office/drawing/2014/main" xmlns="" id="{82F3900B-580E-4BA6-BC04-B023E1FA1996}"/>
               </a:ext>
             </a:extLst>
           </p:cNvPr>
@@ -7330,52 +7916,6 @@
         </p:nvPicPr>
         <p:blipFill>
           <a:blip r:embed="rId4">
-            <a:extLst>
-              <a:ext uri="{28A0092B-C50C-407E-A947-70E740481C1C}">
-                <a14:useLocalDpi xmlns:a14="http://schemas.microsoft.com/office/drawing/2010/main" val="0"/>
-              </a:ext>
-            </a:extLst>
-          </a:blip>
-          <a:stretch>
-            <a:fillRect/>
-          </a:stretch>
-        </p:blipFill>
-        <p:spPr>
-          <a:xfrm>
-            <a:off x="7066076" y="3921484"/>
-            <a:ext cx="3683288" cy="2455525"/>
-          </a:xfrm>
-          <a:prstGeom prst="rect">
-            <a:avLst/>
-          </a:prstGeom>
-          <a:ln>
-            <a:noFill/>
-          </a:ln>
-          <a:effectLst>
-            <a:outerShdw blurRad="292100" dist="139700" dir="2700000" algn="tl" rotWithShape="0">
-              <a:srgbClr val="333333">
-                <a:alpha val="65000"/>
-              </a:srgbClr>
-            </a:outerShdw>
-          </a:effectLst>
-        </p:spPr>
-      </p:pic>
-      <p:pic>
-        <p:nvPicPr>
-          <p:cNvPr id="11" name="Picture 10" descr="A close up of a device&#10;&#10;Description generated with high confidence">
-            <a:extLst>
-              <a:ext uri="{FF2B5EF4-FFF2-40B4-BE49-F238E27FC236}">
-                <a16:creationId xmlns="" xmlns:a16="http://schemas.microsoft.com/office/drawing/2014/main" id="{82F3900B-580E-4BA6-BC04-B023E1FA1996}"/>
-              </a:ext>
-            </a:extLst>
-          </p:cNvPr>
-          <p:cNvPicPr>
-            <a:picLocks noChangeAspect="1"/>
-          </p:cNvPicPr>
-          <p:nvPr/>
-        </p:nvPicPr>
-        <p:blipFill>
-          <a:blip r:embed="rId5">
             <a:extLst>
               <a:ext uri="{28A0092B-C50C-407E-A947-70E740481C1C}">
                 <a14:useLocalDpi xmlns:a14="http://schemas.microsoft.com/office/drawing/2010/main" val="0"/>
@@ -7406,6 +7946,43 @@
           </a:effectLst>
         </p:spPr>
       </p:pic>
+      <p:pic>
+        <p:nvPicPr>
+          <p:cNvPr id="3" name="Picture 2"/>
+          <p:cNvPicPr>
+            <a:picLocks noChangeAspect="1"/>
+          </p:cNvPicPr>
+          <p:nvPr/>
+        </p:nvPicPr>
+        <p:blipFill>
+          <a:blip r:embed="rId5">
+            <a:extLst>
+              <a:ext uri="{28A0092B-C50C-407E-A947-70E740481C1C}">
+                <a14:useLocalDpi xmlns:a14="http://schemas.microsoft.com/office/drawing/2010/main" val="0"/>
+              </a:ext>
+            </a:extLst>
+          </a:blip>
+          <a:stretch>
+            <a:fillRect/>
+          </a:stretch>
+        </p:blipFill>
+        <p:spPr>
+          <a:xfrm>
+            <a:off x="7066075" y="3921484"/>
+            <a:ext cx="3689604" cy="2459736"/>
+          </a:xfrm>
+          <a:prstGeom prst="rect">
+            <a:avLst/>
+          </a:prstGeom>
+          <a:effectLst>
+            <a:outerShdw blurRad="50800" dist="50800" dir="5400000" sx="86000" sy="86000" algn="ctr" rotWithShape="0">
+              <a:srgbClr val="000000">
+                <a:alpha val="89000"/>
+              </a:srgbClr>
+            </a:outerShdw>
+          </a:effectLst>
+        </p:spPr>
+      </p:pic>
     </p:spTree>
     <p:extLst>
       <p:ext uri="{BB962C8B-B14F-4D97-AF65-F5344CB8AC3E}">
@@ -7419,7 +7996,7 @@
 </p:sld>
 </file>
 
-<file path=ppt/slides/slide11.xml><?xml version="1.0" encoding="utf-8"?>
+<file path=ppt/slides/slide14.xml><?xml version="1.0" encoding="utf-8"?>
 <p:sld xmlns:a="http://schemas.openxmlformats.org/drawingml/2006/main" xmlns:r="http://schemas.openxmlformats.org/officeDocument/2006/relationships" xmlns:p="http://schemas.openxmlformats.org/presentationml/2006/main">
   <p:cSld>
     <p:spTree>
@@ -7441,7 +8018,7 @@
           <p:cNvPr id="2" name="Title 1">
             <a:extLst>
               <a:ext uri="{FF2B5EF4-FFF2-40B4-BE49-F238E27FC236}">
-                <a16:creationId xmlns="" xmlns:a16="http://schemas.microsoft.com/office/drawing/2014/main" id="{A963DD68-D09D-4BBF-A7F4-21FB142DB43A}"/>
+                <a16:creationId xmlns:a16="http://schemas.microsoft.com/office/drawing/2014/main" xmlns="" id="{D9873F8A-B9B9-4681-9621-F04857B43C60}"/>
               </a:ext>
             </a:extLst>
           </p:cNvPr>
@@ -7452,12 +8029,7 @@
             <p:ph type="title"/>
           </p:nvPr>
         </p:nvSpPr>
-        <p:spPr>
-          <a:xfrm>
-            <a:off x="1425239" y="-241300"/>
-            <a:ext cx="10018713" cy="1752599"/>
-          </a:xfrm>
-        </p:spPr>
+        <p:spPr/>
         <p:txBody>
           <a:bodyPr/>
           <a:lstStyle/>
@@ -7466,107 +8038,196 @@
               <a:rPr lang="en-US" dirty="0">
                 <a:latin typeface="Century Gothic" panose="020B0502020202020204" pitchFamily="34" charset="0"/>
               </a:rPr>
-              <a:t>Population</a:t>
-            </a:r>
-          </a:p>
-        </p:txBody>
-      </p:sp>
-      <p:pic>
-        <p:nvPicPr>
-          <p:cNvPr id="7" name="Picture 6" descr="A screenshot of a cell phone&#10;&#10;Description generated with very high confidence">
+              <a:t>Conclusion</a:t>
+            </a:r>
+          </a:p>
+        </p:txBody>
+      </p:sp>
+      <p:sp>
+        <p:nvSpPr>
+          <p:cNvPr id="3" name="Content Placeholder 2">
             <a:extLst>
               <a:ext uri="{FF2B5EF4-FFF2-40B4-BE49-F238E27FC236}">
-                <a16:creationId xmlns="" xmlns:a16="http://schemas.microsoft.com/office/drawing/2014/main" id="{9359C768-6D82-4D02-9418-70CCC34CFC85}"/>
+                <a16:creationId xmlns:a16="http://schemas.microsoft.com/office/drawing/2014/main" xmlns="" id="{94386C01-56BC-4FA6-B5EE-0FA42BDB213A}"/>
               </a:ext>
             </a:extLst>
           </p:cNvPr>
-          <p:cNvPicPr>
-            <a:picLocks noChangeAspect="1"/>
-          </p:cNvPicPr>
-          <p:nvPr/>
-        </p:nvPicPr>
-        <p:blipFill>
-          <a:blip r:embed="rId2">
-            <a:extLst>
-              <a:ext uri="{28A0092B-C50C-407E-A947-70E740481C1C}">
-                <a14:useLocalDpi xmlns:a14="http://schemas.microsoft.com/office/drawing/2010/main" val="0"/>
-              </a:ext>
-            </a:extLst>
-          </a:blip>
-          <a:stretch>
-            <a:fillRect/>
-          </a:stretch>
-        </p:blipFill>
+          <p:cNvSpPr>
+            <a:spLocks noGrp="1"/>
+          </p:cNvSpPr>
+          <p:nvPr>
+            <p:ph idx="1"/>
+          </p:nvPr>
+        </p:nvSpPr>
         <p:spPr>
           <a:xfrm>
-            <a:off x="2237276" y="1511300"/>
-            <a:ext cx="4290825" cy="4290825"/>
+            <a:off x="1484311" y="3537010"/>
+            <a:ext cx="10018713" cy="3124201"/>
           </a:xfrm>
-          <a:prstGeom prst="rect">
-            <a:avLst/>
-          </a:prstGeom>
-          <a:ln>
-            <a:noFill/>
-          </a:ln>
-          <a:effectLst>
-            <a:outerShdw blurRad="292100" dist="139700" dir="2700000" algn="tl" rotWithShape="0">
-              <a:srgbClr val="333333">
-                <a:alpha val="65000"/>
-              </a:srgbClr>
-            </a:outerShdw>
-          </a:effectLst>
         </p:spPr>
-      </p:pic>
-      <p:pic>
-        <p:nvPicPr>
-          <p:cNvPr id="9" name="Picture 8" descr="A close up of electronics&#10;&#10;Description generated with high confidence">
-            <a:extLst>
-              <a:ext uri="{FF2B5EF4-FFF2-40B4-BE49-F238E27FC236}">
-                <a16:creationId xmlns="" xmlns:a16="http://schemas.microsoft.com/office/drawing/2014/main" id="{A1AF533F-3A12-4C27-80D6-C0DD617F457B}"/>
-              </a:ext>
-            </a:extLst>
-          </p:cNvPr>
-          <p:cNvPicPr>
-            <a:picLocks noChangeAspect="1"/>
-          </p:cNvPicPr>
-          <p:nvPr/>
-        </p:nvPicPr>
-        <p:blipFill>
-          <a:blip r:embed="rId3">
-            <a:extLst>
-              <a:ext uri="{28A0092B-C50C-407E-A947-70E740481C1C}">
-                <a14:useLocalDpi xmlns:a14="http://schemas.microsoft.com/office/drawing/2010/main" val="0"/>
-              </a:ext>
-            </a:extLst>
-          </a:blip>
-          <a:stretch>
-            <a:fillRect/>
-          </a:stretch>
-        </p:blipFill>
-        <p:spPr>
-          <a:xfrm>
-            <a:off x="6870149" y="1511299"/>
-            <a:ext cx="4290826" cy="4290826"/>
-          </a:xfrm>
-          <a:prstGeom prst="rect">
-            <a:avLst/>
-          </a:prstGeom>
-          <a:ln>
-            <a:noFill/>
-          </a:ln>
-          <a:effectLst>
-            <a:outerShdw blurRad="292100" dist="139700" dir="2700000" algn="tl" rotWithShape="0">
-              <a:srgbClr val="333333">
-                <a:alpha val="65000"/>
-              </a:srgbClr>
-            </a:outerShdw>
-          </a:effectLst>
-        </p:spPr>
-      </p:pic>
+        <p:txBody>
+          <a:bodyPr>
+            <a:noAutofit/>
+          </a:bodyPr>
+          <a:lstStyle/>
+          <a:p>
+            <a:pPr marL="0" indent="0">
+              <a:buNone/>
+            </a:pPr>
+            <a:r>
+              <a:rPr lang="en-US" sz="2000" dirty="0">
+                <a:latin typeface="Century Gothic" panose="020B0502020202020204" pitchFamily="34" charset="0"/>
+              </a:rPr>
+              <a:t>Ratings</a:t>
+            </a:r>
+          </a:p>
+          <a:p>
+            <a:pPr>
+              <a:buFont typeface="Wingdings" panose="05000000000000000000" pitchFamily="2" charset="2"/>
+              <a:buChar char="q"/>
+            </a:pPr>
+            <a:r>
+              <a:rPr lang="en-US" sz="1800" dirty="0">
+                <a:latin typeface="Century Gothic" panose="020B0502020202020204" pitchFamily="34" charset="0"/>
+              </a:rPr>
+              <a:t>Do consumers skew towards ratings that are more favorable or unfavorable?</a:t>
+            </a:r>
+          </a:p>
+          <a:p>
+            <a:pPr marL="0" indent="0">
+              <a:buNone/>
+            </a:pPr>
+            <a:r>
+              <a:rPr lang="en-US" sz="1800" i="1" dirty="0">
+                <a:latin typeface="Century Gothic" panose="020B0502020202020204" pitchFamily="34" charset="0"/>
+              </a:rPr>
+              <a:t>Users were more likely to provide above average reviews that were favorable.</a:t>
+            </a:r>
+          </a:p>
+          <a:p>
+            <a:pPr marL="0" indent="0">
+              <a:buNone/>
+            </a:pPr>
+            <a:endParaRPr lang="en-US" sz="600" dirty="0">
+              <a:latin typeface="Century Gothic" panose="020B0502020202020204" pitchFamily="34" charset="0"/>
+            </a:endParaRPr>
+          </a:p>
+          <a:p>
+            <a:pPr marL="0" indent="0">
+              <a:buNone/>
+            </a:pPr>
+            <a:r>
+              <a:rPr lang="en-US" sz="2000" dirty="0">
+                <a:latin typeface="Century Gothic" panose="020B0502020202020204" pitchFamily="34" charset="0"/>
+              </a:rPr>
+              <a:t>Demographics:</a:t>
+            </a:r>
+          </a:p>
+          <a:p>
+            <a:pPr>
+              <a:buFont typeface="Wingdings" panose="05000000000000000000" pitchFamily="2" charset="2"/>
+              <a:buChar char="q"/>
+            </a:pPr>
+            <a:r>
+              <a:rPr lang="en-US" sz="1800" dirty="0">
+                <a:latin typeface="Century Gothic" panose="020B0502020202020204" pitchFamily="34" charset="0"/>
+              </a:rPr>
+              <a:t>Do socio-economic factors of an area affect the local business ratings and reviews?</a:t>
+            </a:r>
+          </a:p>
+          <a:p>
+            <a:pPr marL="0" indent="0">
+              <a:buNone/>
+            </a:pPr>
+            <a:r>
+              <a:rPr lang="en-US" sz="1800" i="1" dirty="0">
+                <a:latin typeface="Century Gothic" panose="020B0502020202020204" pitchFamily="34" charset="0"/>
+              </a:rPr>
+              <a:t>Businesses in affluent zip codes were more likely to receive favorable reviews.</a:t>
+            </a:r>
+          </a:p>
+          <a:p>
+            <a:pPr marL="0" indent="0">
+              <a:buNone/>
+            </a:pPr>
+            <a:endParaRPr lang="en-US" sz="600" dirty="0">
+              <a:latin typeface="Century Gothic" panose="020B0502020202020204" pitchFamily="34" charset="0"/>
+            </a:endParaRPr>
+          </a:p>
+          <a:p>
+            <a:pPr marL="0" indent="0">
+              <a:buNone/>
+            </a:pPr>
+            <a:r>
+              <a:rPr lang="en-US" sz="2000" dirty="0">
+                <a:latin typeface="Century Gothic" panose="020B0502020202020204" pitchFamily="34" charset="0"/>
+              </a:rPr>
+              <a:t>Conclusion</a:t>
+            </a:r>
+          </a:p>
+          <a:p>
+            <a:pPr>
+              <a:buFont typeface="Wingdings" panose="05000000000000000000" pitchFamily="2" charset="2"/>
+              <a:buChar char="q"/>
+            </a:pPr>
+            <a:r>
+              <a:rPr lang="en-US" sz="1800" dirty="0">
+                <a:latin typeface="Century Gothic" panose="020B0502020202020204" pitchFamily="34" charset="0"/>
+              </a:rPr>
+              <a:t>Yelp ratings were more consistent than expected and represent the typical user experience rather than being skewed by extremes.</a:t>
+            </a:r>
+          </a:p>
+          <a:p>
+            <a:pPr>
+              <a:buFont typeface="Wingdings" panose="05000000000000000000" pitchFamily="2" charset="2"/>
+              <a:buChar char="q"/>
+            </a:pPr>
+            <a:endParaRPr lang="en-US" sz="2000" dirty="0">
+              <a:latin typeface="Century Gothic" panose="020B0502020202020204" pitchFamily="34" charset="0"/>
+            </a:endParaRPr>
+          </a:p>
+          <a:p>
+            <a:pPr>
+              <a:buFont typeface="Wingdings" panose="05000000000000000000" pitchFamily="2" charset="2"/>
+              <a:buChar char="q"/>
+            </a:pPr>
+            <a:endParaRPr lang="en-US" sz="2000" dirty="0">
+              <a:latin typeface="Century Gothic" panose="020B0502020202020204" pitchFamily="34" charset="0"/>
+            </a:endParaRPr>
+          </a:p>
+          <a:p>
+            <a:pPr>
+              <a:buFont typeface="Wingdings" panose="05000000000000000000" pitchFamily="2" charset="2"/>
+              <a:buChar char="q"/>
+            </a:pPr>
+            <a:endParaRPr lang="en-US" sz="2000" dirty="0">
+              <a:latin typeface="Century Gothic" panose="020B0502020202020204" pitchFamily="34" charset="0"/>
+            </a:endParaRPr>
+          </a:p>
+          <a:p>
+            <a:pPr>
+              <a:buFont typeface="Wingdings" panose="05000000000000000000" pitchFamily="2" charset="2"/>
+              <a:buChar char="q"/>
+            </a:pPr>
+            <a:endParaRPr lang="en-US" sz="2000" dirty="0">
+              <a:latin typeface="Century Gothic" panose="020B0502020202020204" pitchFamily="34" charset="0"/>
+            </a:endParaRPr>
+          </a:p>
+          <a:p>
+            <a:pPr>
+              <a:buFont typeface="Wingdings" panose="05000000000000000000" pitchFamily="2" charset="2"/>
+              <a:buChar char="q"/>
+            </a:pPr>
+            <a:endParaRPr lang="en-US" sz="2000" dirty="0">
+              <a:latin typeface="Century Gothic" panose="020B0502020202020204" pitchFamily="34" charset="0"/>
+            </a:endParaRPr>
+          </a:p>
+        </p:txBody>
+      </p:sp>
     </p:spTree>
     <p:extLst>
       <p:ext uri="{BB962C8B-B14F-4D97-AF65-F5344CB8AC3E}">
-        <p14:creationId xmlns:p14="http://schemas.microsoft.com/office/powerpoint/2010/main" val="2582316527"/>
+        <p14:creationId xmlns:p14="http://schemas.microsoft.com/office/powerpoint/2010/main" val="3928556152"/>
       </p:ext>
     </p:extLst>
   </p:cSld>
@@ -7576,7 +8237,7 @@
 </p:sld>
 </file>
 
-<file path=ppt/slides/slide12.xml><?xml version="1.0" encoding="utf-8"?>
+<file path=ppt/slides/slide15.xml><?xml version="1.0" encoding="utf-8"?>
 <p:sld xmlns:a="http://schemas.openxmlformats.org/drawingml/2006/main" xmlns:r="http://schemas.openxmlformats.org/officeDocument/2006/relationships" xmlns:p="http://schemas.openxmlformats.org/presentationml/2006/main">
   <p:cSld>
     <p:spTree>
@@ -7598,248 +8259,7 @@
           <p:cNvPr id="2" name="Title 1">
             <a:extLst>
               <a:ext uri="{FF2B5EF4-FFF2-40B4-BE49-F238E27FC236}">
-                <a16:creationId xmlns="" xmlns:a16="http://schemas.microsoft.com/office/drawing/2014/main" id="{D9873F8A-B9B9-4681-9621-F04857B43C60}"/>
-              </a:ext>
-            </a:extLst>
-          </p:cNvPr>
-          <p:cNvSpPr>
-            <a:spLocks noGrp="1"/>
-          </p:cNvSpPr>
-          <p:nvPr>
-            <p:ph type="title"/>
-          </p:nvPr>
-        </p:nvSpPr>
-        <p:spPr/>
-        <p:txBody>
-          <a:bodyPr/>
-          <a:lstStyle/>
-          <a:p>
-            <a:r>
-              <a:rPr lang="en-US" dirty="0">
-                <a:latin typeface="Century Gothic" panose="020B0502020202020204" pitchFamily="34" charset="0"/>
-              </a:rPr>
-              <a:t>Conclusion</a:t>
-            </a:r>
-          </a:p>
-        </p:txBody>
-      </p:sp>
-      <p:sp>
-        <p:nvSpPr>
-          <p:cNvPr id="3" name="Content Placeholder 2">
-            <a:extLst>
-              <a:ext uri="{FF2B5EF4-FFF2-40B4-BE49-F238E27FC236}">
-                <a16:creationId xmlns="" xmlns:a16="http://schemas.microsoft.com/office/drawing/2014/main" id="{94386C01-56BC-4FA6-B5EE-0FA42BDB213A}"/>
-              </a:ext>
-            </a:extLst>
-          </p:cNvPr>
-          <p:cNvSpPr>
-            <a:spLocks noGrp="1"/>
-          </p:cNvSpPr>
-          <p:nvPr>
-            <p:ph idx="1"/>
-          </p:nvPr>
-        </p:nvSpPr>
-        <p:spPr>
-          <a:xfrm>
-            <a:off x="1484311" y="3537010"/>
-            <a:ext cx="10018713" cy="3124201"/>
-          </a:xfrm>
-        </p:spPr>
-        <p:txBody>
-          <a:bodyPr>
-            <a:noAutofit/>
-          </a:bodyPr>
-          <a:lstStyle/>
-          <a:p>
-            <a:pPr marL="0" indent="0">
-              <a:buNone/>
-            </a:pPr>
-            <a:r>
-              <a:rPr lang="en-US" sz="2000" dirty="0">
-                <a:latin typeface="Century Gothic" panose="020B0502020202020204" pitchFamily="34" charset="0"/>
-              </a:rPr>
-              <a:t>Ratings</a:t>
-            </a:r>
-          </a:p>
-          <a:p>
-            <a:pPr>
-              <a:buFont typeface="Wingdings" panose="05000000000000000000" pitchFamily="2" charset="2"/>
-              <a:buChar char="q"/>
-            </a:pPr>
-            <a:r>
-              <a:rPr lang="en-US" sz="1800" dirty="0">
-                <a:latin typeface="Century Gothic" panose="020B0502020202020204" pitchFamily="34" charset="0"/>
-              </a:rPr>
-              <a:t>Do consumers skew towards ratings that are more favorable or unfavorable?</a:t>
-            </a:r>
-          </a:p>
-          <a:p>
-            <a:pPr marL="0" indent="0">
-              <a:buNone/>
-            </a:pPr>
-            <a:r>
-              <a:rPr lang="en-US" sz="1800" i="1" dirty="0">
-                <a:latin typeface="Century Gothic" panose="020B0502020202020204" pitchFamily="34" charset="0"/>
-              </a:rPr>
-              <a:t>Users were more likely to provide above average reviews that were favorable.</a:t>
-            </a:r>
-          </a:p>
-          <a:p>
-            <a:pPr marL="0" indent="0">
-              <a:buNone/>
-            </a:pPr>
-            <a:endParaRPr lang="en-US" sz="600" dirty="0">
-              <a:latin typeface="Century Gothic" panose="020B0502020202020204" pitchFamily="34" charset="0"/>
-            </a:endParaRPr>
-          </a:p>
-          <a:p>
-            <a:pPr marL="0" indent="0">
-              <a:buNone/>
-            </a:pPr>
-            <a:r>
-              <a:rPr lang="en-US" sz="2000" dirty="0">
-                <a:latin typeface="Century Gothic" panose="020B0502020202020204" pitchFamily="34" charset="0"/>
-              </a:rPr>
-              <a:t>Demographics:</a:t>
-            </a:r>
-          </a:p>
-          <a:p>
-            <a:pPr>
-              <a:buFont typeface="Wingdings" panose="05000000000000000000" pitchFamily="2" charset="2"/>
-              <a:buChar char="q"/>
-            </a:pPr>
-            <a:r>
-              <a:rPr lang="en-US" sz="1800" dirty="0">
-                <a:latin typeface="Century Gothic" panose="020B0502020202020204" pitchFamily="34" charset="0"/>
-              </a:rPr>
-              <a:t>Do socio-economic factors of an area affect the local business ratings and reviews?</a:t>
-            </a:r>
-          </a:p>
-          <a:p>
-            <a:pPr marL="0" indent="0">
-              <a:buNone/>
-            </a:pPr>
-            <a:r>
-              <a:rPr lang="en-US" sz="1800" i="1" dirty="0">
-                <a:latin typeface="Century Gothic" panose="020B0502020202020204" pitchFamily="34" charset="0"/>
-              </a:rPr>
-              <a:t>Businesses in affluent zip codes were more likely to receive favorable reviews.</a:t>
-            </a:r>
-          </a:p>
-          <a:p>
-            <a:pPr marL="0" indent="0">
-              <a:buNone/>
-            </a:pPr>
-            <a:endParaRPr lang="en-US" sz="600" dirty="0">
-              <a:latin typeface="Century Gothic" panose="020B0502020202020204" pitchFamily="34" charset="0"/>
-            </a:endParaRPr>
-          </a:p>
-          <a:p>
-            <a:pPr marL="0" indent="0">
-              <a:buNone/>
-            </a:pPr>
-            <a:r>
-              <a:rPr lang="en-US" sz="2000" dirty="0">
-                <a:latin typeface="Century Gothic" panose="020B0502020202020204" pitchFamily="34" charset="0"/>
-              </a:rPr>
-              <a:t>Conclusion</a:t>
-            </a:r>
-          </a:p>
-          <a:p>
-            <a:pPr>
-              <a:buFont typeface="Wingdings" panose="05000000000000000000" pitchFamily="2" charset="2"/>
-              <a:buChar char="q"/>
-            </a:pPr>
-            <a:r>
-              <a:rPr lang="en-US" sz="1800" dirty="0">
-                <a:latin typeface="Century Gothic" panose="020B0502020202020204" pitchFamily="34" charset="0"/>
-              </a:rPr>
-              <a:t>Yelp ratings were more consistent than expected and represent the typical user experience rather than being skewed by extremes.</a:t>
-            </a:r>
-          </a:p>
-          <a:p>
-            <a:pPr>
-              <a:buFont typeface="Wingdings" panose="05000000000000000000" pitchFamily="2" charset="2"/>
-              <a:buChar char="q"/>
-            </a:pPr>
-            <a:endParaRPr lang="en-US" sz="2000" dirty="0">
-              <a:latin typeface="Century Gothic" panose="020B0502020202020204" pitchFamily="34" charset="0"/>
-            </a:endParaRPr>
-          </a:p>
-          <a:p>
-            <a:pPr>
-              <a:buFont typeface="Wingdings" panose="05000000000000000000" pitchFamily="2" charset="2"/>
-              <a:buChar char="q"/>
-            </a:pPr>
-            <a:endParaRPr lang="en-US" sz="2000" dirty="0">
-              <a:latin typeface="Century Gothic" panose="020B0502020202020204" pitchFamily="34" charset="0"/>
-            </a:endParaRPr>
-          </a:p>
-          <a:p>
-            <a:pPr>
-              <a:buFont typeface="Wingdings" panose="05000000000000000000" pitchFamily="2" charset="2"/>
-              <a:buChar char="q"/>
-            </a:pPr>
-            <a:endParaRPr lang="en-US" sz="2000" dirty="0">
-              <a:latin typeface="Century Gothic" panose="020B0502020202020204" pitchFamily="34" charset="0"/>
-            </a:endParaRPr>
-          </a:p>
-          <a:p>
-            <a:pPr>
-              <a:buFont typeface="Wingdings" panose="05000000000000000000" pitchFamily="2" charset="2"/>
-              <a:buChar char="q"/>
-            </a:pPr>
-            <a:endParaRPr lang="en-US" sz="2000" dirty="0">
-              <a:latin typeface="Century Gothic" panose="020B0502020202020204" pitchFamily="34" charset="0"/>
-            </a:endParaRPr>
-          </a:p>
-          <a:p>
-            <a:pPr>
-              <a:buFont typeface="Wingdings" panose="05000000000000000000" pitchFamily="2" charset="2"/>
-              <a:buChar char="q"/>
-            </a:pPr>
-            <a:endParaRPr lang="en-US" sz="2000" dirty="0">
-              <a:latin typeface="Century Gothic" panose="020B0502020202020204" pitchFamily="34" charset="0"/>
-            </a:endParaRPr>
-          </a:p>
-        </p:txBody>
-      </p:sp>
-    </p:spTree>
-    <p:extLst>
-      <p:ext uri="{BB962C8B-B14F-4D97-AF65-F5344CB8AC3E}">
-        <p14:creationId xmlns:p14="http://schemas.microsoft.com/office/powerpoint/2010/main" val="3928556152"/>
-      </p:ext>
-    </p:extLst>
-  </p:cSld>
-  <p:clrMapOvr>
-    <a:masterClrMapping/>
-  </p:clrMapOvr>
-</p:sld>
-</file>
-
-<file path=ppt/slides/slide13.xml><?xml version="1.0" encoding="utf-8"?>
-<p:sld xmlns:a="http://schemas.openxmlformats.org/drawingml/2006/main" xmlns:r="http://schemas.openxmlformats.org/officeDocument/2006/relationships" xmlns:p="http://schemas.openxmlformats.org/presentationml/2006/main">
-  <p:cSld>
-    <p:spTree>
-      <p:nvGrpSpPr>
-        <p:cNvPr id="1" name=""/>
-        <p:cNvGrpSpPr/>
-        <p:nvPr/>
-      </p:nvGrpSpPr>
-      <p:grpSpPr>
-        <a:xfrm>
-          <a:off x="0" y="0"/>
-          <a:ext cx="0" cy="0"/>
-          <a:chOff x="0" y="0"/>
-          <a:chExt cx="0" cy="0"/>
-        </a:xfrm>
-      </p:grpSpPr>
-      <p:sp>
-        <p:nvSpPr>
-          <p:cNvPr id="2" name="Title 1">
-            <a:extLst>
-              <a:ext uri="{FF2B5EF4-FFF2-40B4-BE49-F238E27FC236}">
-                <a16:creationId xmlns="" xmlns:a16="http://schemas.microsoft.com/office/drawing/2014/main" id="{57453E2E-0C7F-452F-90B5-BFCD63D40111}"/>
+                <a16:creationId xmlns:a16="http://schemas.microsoft.com/office/drawing/2014/main" xmlns="" id="{57453E2E-0C7F-452F-90B5-BFCD63D40111}"/>
               </a:ext>
             </a:extLst>
           </p:cNvPr>
@@ -7869,7 +8289,7 @@
           <p:cNvPr id="3" name="Content Placeholder 2">
             <a:extLst>
               <a:ext uri="{FF2B5EF4-FFF2-40B4-BE49-F238E27FC236}">
-                <a16:creationId xmlns="" xmlns:a16="http://schemas.microsoft.com/office/drawing/2014/main" id="{AF1D2F90-85B9-4216-AACD-7D62A3574583}"/>
+                <a16:creationId xmlns:a16="http://schemas.microsoft.com/office/drawing/2014/main" xmlns="" id="{AF1D2F90-85B9-4216-AACD-7D62A3574583}"/>
               </a:ext>
             </a:extLst>
           </p:cNvPr>
@@ -7990,7 +8410,7 @@
 </p:sld>
 </file>
 
-<file path=ppt/slides/slide14.xml><?xml version="1.0" encoding="utf-8"?>
+<file path=ppt/slides/slide16.xml><?xml version="1.0" encoding="utf-8"?>
 <p:sld xmlns:a="http://schemas.openxmlformats.org/drawingml/2006/main" xmlns:r="http://schemas.openxmlformats.org/officeDocument/2006/relationships" xmlns:p="http://schemas.openxmlformats.org/presentationml/2006/main">
   <p:cSld>
     <p:bg>
@@ -8034,7 +8454,7 @@
           <p:cNvPr id="37" name="Rectangle 24">
             <a:extLst>
               <a:ext uri="{FF2B5EF4-FFF2-40B4-BE49-F238E27FC236}">
-                <a16:creationId xmlns="" xmlns:a16="http://schemas.microsoft.com/office/drawing/2014/main" id="{94C52C56-BEF2-4E22-8C8E-A7AC96B03A72}"/>
+                <a16:creationId xmlns:a16="http://schemas.microsoft.com/office/drawing/2014/main" xmlns="" id="{94C52C56-BEF2-4E22-8C8E-A7AC96B03A72}"/>
               </a:ext>
             </a:extLst>
           </p:cNvPr>
@@ -8044,7 +8464,7 @@
           <p:nvPr>
             <p:extLst>
               <p:ext uri="{386F3935-93C4-4BCD-93E2-E3B085C9AB24}">
-                <p16:designElem xmlns="" xmlns:p16="http://schemas.microsoft.com/office/powerpoint/2015/main" val="1"/>
+                <p16:designElem xmlns:p16="http://schemas.microsoft.com/office/powerpoint/2015/main" val="1"/>
               </p:ext>
             </p:extLst>
           </p:nvPr>
@@ -8091,7 +8511,7 @@
           <p:cNvPr id="38" name="Freeform: Shape 26">
             <a:extLst>
               <a:ext uri="{FF2B5EF4-FFF2-40B4-BE49-F238E27FC236}">
-                <a16:creationId xmlns="" xmlns:a16="http://schemas.microsoft.com/office/drawing/2014/main" id="{42285737-90EE-47DC-AC80-8AE156B11969}"/>
+                <a16:creationId xmlns:a16="http://schemas.microsoft.com/office/drawing/2014/main" xmlns="" id="{42285737-90EE-47DC-AC80-8AE156B11969}"/>
               </a:ext>
             </a:extLst>
           </p:cNvPr>
@@ -8101,7 +8521,7 @@
           <p:nvPr>
             <p:extLst>
               <p:ext uri="{386F3935-93C4-4BCD-93E2-E3B085C9AB24}">
-                <p16:designElem xmlns="" xmlns:p16="http://schemas.microsoft.com/office/powerpoint/2015/main" val="1"/>
+                <p16:designElem xmlns:p16="http://schemas.microsoft.com/office/powerpoint/2015/main" val="1"/>
               </p:ext>
             </p:extLst>
           </p:nvPr>
@@ -8243,7 +8663,7 @@
           <p:cNvPr id="39" name="Group 28">
             <a:extLst>
               <a:ext uri="{FF2B5EF4-FFF2-40B4-BE49-F238E27FC236}">
-                <a16:creationId xmlns="" xmlns:a16="http://schemas.microsoft.com/office/drawing/2014/main" id="{B57BDC17-F1B3-455F-BBF1-680AA1F25C06}"/>
+                <a16:creationId xmlns:a16="http://schemas.microsoft.com/office/drawing/2014/main" xmlns="" id="{B57BDC17-F1B3-455F-BBF1-680AA1F25C06}"/>
               </a:ext>
             </a:extLst>
           </p:cNvPr>
@@ -8253,7 +8673,7 @@
           <p:nvPr>
             <p:extLst>
               <p:ext uri="{386F3935-93C4-4BCD-93E2-E3B085C9AB24}">
-                <p16:designElem xmlns="" xmlns:p16="http://schemas.microsoft.com/office/powerpoint/2015/main" val="1"/>
+                <p16:designElem xmlns:p16="http://schemas.microsoft.com/office/powerpoint/2015/main" val="1"/>
               </p:ext>
             </p:extLst>
           </p:nvPr>
@@ -8271,7 +8691,7 @@
             <p:cNvPr id="30" name="Freeform 6">
               <a:extLst>
                 <a:ext uri="{FF2B5EF4-FFF2-40B4-BE49-F238E27FC236}">
-                  <a16:creationId xmlns="" xmlns:a16="http://schemas.microsoft.com/office/drawing/2014/main" id="{64E2FA9A-FEF7-4501-B0EB-5E45EDD2177A}"/>
+                  <a16:creationId xmlns:a16="http://schemas.microsoft.com/office/drawing/2014/main" xmlns="" id="{64E2FA9A-FEF7-4501-B0EB-5E45EDD2177A}"/>
                 </a:ext>
               </a:extLst>
             </p:cNvPr>
@@ -8279,7 +8699,7 @@
             <p:nvPr>
               <p:extLst>
                 <p:ext uri="{386F3935-93C4-4BCD-93E2-E3B085C9AB24}">
-                  <p16:designElem xmlns="" xmlns:p16="http://schemas.microsoft.com/office/powerpoint/2015/main" val="1"/>
+                  <p16:designElem xmlns:p16="http://schemas.microsoft.com/office/powerpoint/2015/main" val="1"/>
                 </p:ext>
               </p:extLst>
             </p:nvPr>
@@ -8329,7 +8749,7 @@
             <p:cNvPr id="31" name="Freeform 7">
               <a:extLst>
                 <a:ext uri="{FF2B5EF4-FFF2-40B4-BE49-F238E27FC236}">
-                  <a16:creationId xmlns="" xmlns:a16="http://schemas.microsoft.com/office/drawing/2014/main" id="{BC38192B-B4CB-47D4-A3B1-10010247F158}"/>
+                  <a16:creationId xmlns:a16="http://schemas.microsoft.com/office/drawing/2014/main" xmlns="" id="{BC38192B-B4CB-47D4-A3B1-10010247F158}"/>
                 </a:ext>
               </a:extLst>
             </p:cNvPr>
@@ -8337,7 +8757,7 @@
             <p:nvPr>
               <p:extLst>
                 <p:ext uri="{386F3935-93C4-4BCD-93E2-E3B085C9AB24}">
-                  <p16:designElem xmlns="" xmlns:p16="http://schemas.microsoft.com/office/powerpoint/2015/main" val="1"/>
+                  <p16:designElem xmlns:p16="http://schemas.microsoft.com/office/powerpoint/2015/main" val="1"/>
                 </p:ext>
               </p:extLst>
             </p:nvPr>
@@ -8390,7 +8810,7 @@
             <p:cNvPr id="32" name="Freeform 8">
               <a:extLst>
                 <a:ext uri="{FF2B5EF4-FFF2-40B4-BE49-F238E27FC236}">
-                  <a16:creationId xmlns="" xmlns:a16="http://schemas.microsoft.com/office/drawing/2014/main" id="{96330E33-E171-4B0F-82B5-AF7230399B5C}"/>
+                  <a16:creationId xmlns:a16="http://schemas.microsoft.com/office/drawing/2014/main" xmlns="" id="{96330E33-E171-4B0F-82B5-AF7230399B5C}"/>
                 </a:ext>
               </a:extLst>
             </p:cNvPr>
@@ -8398,7 +8818,7 @@
             <p:nvPr>
               <p:extLst>
                 <p:ext uri="{386F3935-93C4-4BCD-93E2-E3B085C9AB24}">
-                  <p16:designElem xmlns="" xmlns:p16="http://schemas.microsoft.com/office/powerpoint/2015/main" val="1"/>
+                  <p16:designElem xmlns:p16="http://schemas.microsoft.com/office/powerpoint/2015/main" val="1"/>
                 </p:ext>
               </p:extLst>
             </p:nvPr>
@@ -8448,7 +8868,7 @@
             <p:cNvPr id="33" name="Freeform 9">
               <a:extLst>
                 <a:ext uri="{FF2B5EF4-FFF2-40B4-BE49-F238E27FC236}">
-                  <a16:creationId xmlns="" xmlns:a16="http://schemas.microsoft.com/office/drawing/2014/main" id="{332B1723-69BF-42D7-B757-0FA059E15256}"/>
+                  <a16:creationId xmlns:a16="http://schemas.microsoft.com/office/drawing/2014/main" xmlns="" id="{332B1723-69BF-42D7-B757-0FA059E15256}"/>
                 </a:ext>
               </a:extLst>
             </p:cNvPr>
@@ -8456,7 +8876,7 @@
             <p:nvPr>
               <p:extLst>
                 <p:ext uri="{386F3935-93C4-4BCD-93E2-E3B085C9AB24}">
-                  <p16:designElem xmlns="" xmlns:p16="http://schemas.microsoft.com/office/powerpoint/2015/main" val="1"/>
+                  <p16:designElem xmlns:p16="http://schemas.microsoft.com/office/powerpoint/2015/main" val="1"/>
                 </p:ext>
               </p:extLst>
             </p:nvPr>
@@ -8505,7 +8925,7 @@
             <p:cNvPr id="34" name="Freeform 10">
               <a:extLst>
                 <a:ext uri="{FF2B5EF4-FFF2-40B4-BE49-F238E27FC236}">
-                  <a16:creationId xmlns="" xmlns:a16="http://schemas.microsoft.com/office/drawing/2014/main" id="{F115D62D-1E96-48D1-A78D-D370A0BFB9B5}"/>
+                  <a16:creationId xmlns:a16="http://schemas.microsoft.com/office/drawing/2014/main" xmlns="" id="{F115D62D-1E96-48D1-A78D-D370A0BFB9B5}"/>
                 </a:ext>
               </a:extLst>
             </p:cNvPr>
@@ -8513,7 +8933,7 @@
             <p:nvPr>
               <p:extLst>
                 <p:ext uri="{386F3935-93C4-4BCD-93E2-E3B085C9AB24}">
-                  <p16:designElem xmlns="" xmlns:p16="http://schemas.microsoft.com/office/powerpoint/2015/main" val="1"/>
+                  <p16:designElem xmlns:p16="http://schemas.microsoft.com/office/powerpoint/2015/main" val="1"/>
                 </p:ext>
               </p:extLst>
             </p:nvPr>
@@ -8568,7 +8988,7 @@
             <p:cNvPr id="35" name="Freeform 11">
               <a:extLst>
                 <a:ext uri="{FF2B5EF4-FFF2-40B4-BE49-F238E27FC236}">
-                  <a16:creationId xmlns="" xmlns:a16="http://schemas.microsoft.com/office/drawing/2014/main" id="{91C2876A-169D-4822-A766-C00578C88B4B}"/>
+                  <a16:creationId xmlns:a16="http://schemas.microsoft.com/office/drawing/2014/main" xmlns="" id="{91C2876A-169D-4822-A766-C00578C88B4B}"/>
                 </a:ext>
               </a:extLst>
             </p:cNvPr>
@@ -8576,7 +8996,7 @@
             <p:nvPr>
               <p:extLst>
                 <p:ext uri="{386F3935-93C4-4BCD-93E2-E3B085C9AB24}">
-                  <p16:designElem xmlns="" xmlns:p16="http://schemas.microsoft.com/office/powerpoint/2015/main" val="1"/>
+                  <p16:designElem xmlns:p16="http://schemas.microsoft.com/office/powerpoint/2015/main" val="1"/>
                 </p:ext>
               </p:extLst>
             </p:nvPr>
@@ -8645,7 +9065,7 @@
           <p:cNvPr id="2" name="Title 1">
             <a:extLst>
               <a:ext uri="{FF2B5EF4-FFF2-40B4-BE49-F238E27FC236}">
-                <a16:creationId xmlns="" xmlns:a16="http://schemas.microsoft.com/office/drawing/2014/main" id="{28C374ED-C5B3-4193-9645-7240C7FD20D5}"/>
+                <a16:creationId xmlns:a16="http://schemas.microsoft.com/office/drawing/2014/main" xmlns="" id="{28C374ED-C5B3-4193-9645-7240C7FD20D5}"/>
               </a:ext>
             </a:extLst>
           </p:cNvPr>
@@ -8685,7 +9105,7 @@
           <p:cNvPr id="4" name="Group 3">
             <a:extLst>
               <a:ext uri="{FF2B5EF4-FFF2-40B4-BE49-F238E27FC236}">
-                <a16:creationId xmlns="" xmlns:a16="http://schemas.microsoft.com/office/drawing/2014/main" id="{35A3171B-8B66-4271-BE06-FE8E5B4868A1}"/>
+                <a16:creationId xmlns:a16="http://schemas.microsoft.com/office/drawing/2014/main" xmlns="" id="{35A3171B-8B66-4271-BE06-FE8E5B4868A1}"/>
               </a:ext>
             </a:extLst>
           </p:cNvPr>
@@ -8705,7 +9125,7 @@
             <p:cNvPr id="6" name="Freeform: Shape 5">
               <a:extLst>
                 <a:ext uri="{FF2B5EF4-FFF2-40B4-BE49-F238E27FC236}">
-                  <a16:creationId xmlns="" xmlns:a16="http://schemas.microsoft.com/office/drawing/2014/main" id="{28762A01-CA5F-40BA-913D-4478CB715FCA}"/>
+                  <a16:creationId xmlns:a16="http://schemas.microsoft.com/office/drawing/2014/main" xmlns="" id="{28762A01-CA5F-40BA-913D-4478CB715FCA}"/>
                 </a:ext>
               </a:extLst>
             </p:cNvPr>
@@ -8852,7 +9272,7 @@
             <p:cNvPr id="7" name="Freeform: Shape 6">
               <a:extLst>
                 <a:ext uri="{FF2B5EF4-FFF2-40B4-BE49-F238E27FC236}">
-                  <a16:creationId xmlns="" xmlns:a16="http://schemas.microsoft.com/office/drawing/2014/main" id="{6C018BCF-28A0-4BE0-8B7D-B39070BC74DF}"/>
+                  <a16:creationId xmlns:a16="http://schemas.microsoft.com/office/drawing/2014/main" xmlns="" id="{6C018BCF-28A0-4BE0-8B7D-B39070BC74DF}"/>
                 </a:ext>
               </a:extLst>
             </p:cNvPr>
@@ -9025,7 +9445,7 @@
             <p:cNvPr id="8" name="Freeform: Shape 7">
               <a:extLst>
                 <a:ext uri="{FF2B5EF4-FFF2-40B4-BE49-F238E27FC236}">
-                  <a16:creationId xmlns="" xmlns:a16="http://schemas.microsoft.com/office/drawing/2014/main" id="{C0526B25-ED06-47DE-86AB-EF929E2743C5}"/>
+                  <a16:creationId xmlns:a16="http://schemas.microsoft.com/office/drawing/2014/main" xmlns="" id="{C0526B25-ED06-47DE-86AB-EF929E2743C5}"/>
                 </a:ext>
               </a:extLst>
             </p:cNvPr>
@@ -9172,7 +9592,7 @@
             <p:cNvPr id="9" name="Freeform: Shape 8">
               <a:extLst>
                 <a:ext uri="{FF2B5EF4-FFF2-40B4-BE49-F238E27FC236}">
-                  <a16:creationId xmlns="" xmlns:a16="http://schemas.microsoft.com/office/drawing/2014/main" id="{310425E2-B05A-4B98-A786-6316FC57F959}"/>
+                  <a16:creationId xmlns:a16="http://schemas.microsoft.com/office/drawing/2014/main" xmlns="" id="{310425E2-B05A-4B98-A786-6316FC57F959}"/>
                 </a:ext>
               </a:extLst>
             </p:cNvPr>
@@ -9345,7 +9765,7 @@
             <p:cNvPr id="11" name="Freeform: Shape 10">
               <a:extLst>
                 <a:ext uri="{FF2B5EF4-FFF2-40B4-BE49-F238E27FC236}">
-                  <a16:creationId xmlns="" xmlns:a16="http://schemas.microsoft.com/office/drawing/2014/main" id="{423D7973-123A-4089-A550-11DA271381C2}"/>
+                  <a16:creationId xmlns:a16="http://schemas.microsoft.com/office/drawing/2014/main" xmlns="" id="{423D7973-123A-4089-A550-11DA271381C2}"/>
                 </a:ext>
               </a:extLst>
             </p:cNvPr>
@@ -9492,7 +9912,7 @@
             <p:cNvPr id="13" name="Freeform: Shape 12">
               <a:extLst>
                 <a:ext uri="{FF2B5EF4-FFF2-40B4-BE49-F238E27FC236}">
-                  <a16:creationId xmlns="" xmlns:a16="http://schemas.microsoft.com/office/drawing/2014/main" id="{1C6162BB-429A-41B6-863B-BBD30C147452}"/>
+                  <a16:creationId xmlns:a16="http://schemas.microsoft.com/office/drawing/2014/main" xmlns="" id="{1C6162BB-429A-41B6-863B-BBD30C147452}"/>
                 </a:ext>
               </a:extLst>
             </p:cNvPr>
@@ -9665,7 +10085,7 @@
             <p:cNvPr id="21" name="Freeform: Shape 20">
               <a:extLst>
                 <a:ext uri="{FF2B5EF4-FFF2-40B4-BE49-F238E27FC236}">
-                  <a16:creationId xmlns="" xmlns:a16="http://schemas.microsoft.com/office/drawing/2014/main" id="{95D02B93-4BA9-4DF8-BC81-0A98360901DC}"/>
+                  <a16:creationId xmlns:a16="http://schemas.microsoft.com/office/drawing/2014/main" xmlns="" id="{95D02B93-4BA9-4DF8-BC81-0A98360901DC}"/>
                 </a:ext>
               </a:extLst>
             </p:cNvPr>
@@ -9821,7 +10241,7 @@
             <p:cNvPr id="26" name="Freeform: Shape 25">
               <a:extLst>
                 <a:ext uri="{FF2B5EF4-FFF2-40B4-BE49-F238E27FC236}">
-                  <a16:creationId xmlns="" xmlns:a16="http://schemas.microsoft.com/office/drawing/2014/main" id="{1A00006A-B46E-491A-B2A2-75118584B73F}"/>
+                  <a16:creationId xmlns:a16="http://schemas.microsoft.com/office/drawing/2014/main" xmlns="" id="{1A00006A-B46E-491A-B2A2-75118584B73F}"/>
                 </a:ext>
               </a:extLst>
             </p:cNvPr>
@@ -10012,7 +10432,7 @@
 </p:sld>
 </file>
 
-<file path=ppt/slides/slide15.xml><?xml version="1.0" encoding="utf-8"?>
+<file path=ppt/slides/slide17.xml><?xml version="1.0" encoding="utf-8"?>
 <p:sld xmlns:a="http://schemas.openxmlformats.org/drawingml/2006/main" xmlns:r="http://schemas.openxmlformats.org/officeDocument/2006/relationships" xmlns:p="http://schemas.openxmlformats.org/presentationml/2006/main">
   <p:cSld>
     <p:bg>
@@ -10056,7 +10476,7 @@
           <p:cNvPr id="8" name="Group 7">
             <a:extLst>
               <a:ext uri="{FF2B5EF4-FFF2-40B4-BE49-F238E27FC236}">
-                <a16:creationId xmlns="" xmlns:a16="http://schemas.microsoft.com/office/drawing/2014/main" id="{E9D059B6-ADD8-488A-B346-63289E90D13F}"/>
+                <a16:creationId xmlns:a16="http://schemas.microsoft.com/office/drawing/2014/main" xmlns="" id="{E9D059B6-ADD8-488A-B346-63289E90D13F}"/>
               </a:ext>
             </a:extLst>
           </p:cNvPr>
@@ -10066,7 +10486,7 @@
           <p:nvPr>
             <p:extLst>
               <p:ext uri="{386F3935-93C4-4BCD-93E2-E3B085C9AB24}">
-                <p16:designElem xmlns="" xmlns:p16="http://schemas.microsoft.com/office/powerpoint/2015/main" val="1"/>
+                <p16:designElem xmlns:p16="http://schemas.microsoft.com/office/powerpoint/2015/main" val="1"/>
               </p:ext>
             </p:extLst>
           </p:nvPr>
@@ -10084,7 +10504,7 @@
             <p:cNvPr id="9" name="Freeform 6">
               <a:extLst>
                 <a:ext uri="{FF2B5EF4-FFF2-40B4-BE49-F238E27FC236}">
-                  <a16:creationId xmlns="" xmlns:a16="http://schemas.microsoft.com/office/drawing/2014/main" id="{F69B42B4-BC82-4495-A6F9-A28167B56A0E}"/>
+                  <a16:creationId xmlns:a16="http://schemas.microsoft.com/office/drawing/2014/main" xmlns="" id="{F69B42B4-BC82-4495-A6F9-A28167B56A0E}"/>
                 </a:ext>
               </a:extLst>
             </p:cNvPr>
@@ -10092,7 +10512,7 @@
             <p:nvPr>
               <p:extLst>
                 <p:ext uri="{386F3935-93C4-4BCD-93E2-E3B085C9AB24}">
-                  <p16:designElem xmlns="" xmlns:p16="http://schemas.microsoft.com/office/powerpoint/2015/main" val="1"/>
+                  <p16:designElem xmlns:p16="http://schemas.microsoft.com/office/powerpoint/2015/main" val="1"/>
                 </p:ext>
               </p:extLst>
             </p:nvPr>
@@ -10142,7 +10562,7 @@
             <p:cNvPr id="10" name="Freeform 7">
               <a:extLst>
                 <a:ext uri="{FF2B5EF4-FFF2-40B4-BE49-F238E27FC236}">
-                  <a16:creationId xmlns="" xmlns:a16="http://schemas.microsoft.com/office/drawing/2014/main" id="{83CC168C-2AD4-4FFB-9F25-420ED6514C7D}"/>
+                  <a16:creationId xmlns:a16="http://schemas.microsoft.com/office/drawing/2014/main" xmlns="" id="{83CC168C-2AD4-4FFB-9F25-420ED6514C7D}"/>
                 </a:ext>
               </a:extLst>
             </p:cNvPr>
@@ -10150,7 +10570,7 @@
             <p:nvPr>
               <p:extLst>
                 <p:ext uri="{386F3935-93C4-4BCD-93E2-E3B085C9AB24}">
-                  <p16:designElem xmlns="" xmlns:p16="http://schemas.microsoft.com/office/powerpoint/2015/main" val="1"/>
+                  <p16:designElem xmlns:p16="http://schemas.microsoft.com/office/powerpoint/2015/main" val="1"/>
                 </p:ext>
               </p:extLst>
             </p:nvPr>
@@ -10206,7 +10626,7 @@
             <p:cNvPr id="11" name="Freeform 9">
               <a:extLst>
                 <a:ext uri="{FF2B5EF4-FFF2-40B4-BE49-F238E27FC236}">
-                  <a16:creationId xmlns="" xmlns:a16="http://schemas.microsoft.com/office/drawing/2014/main" id="{6C9F369A-6158-4AE8-BA04-138A9DFFAE05}"/>
+                  <a16:creationId xmlns:a16="http://schemas.microsoft.com/office/drawing/2014/main" xmlns="" id="{6C9F369A-6158-4AE8-BA04-138A9DFFAE05}"/>
                 </a:ext>
               </a:extLst>
             </p:cNvPr>
@@ -10214,7 +10634,7 @@
             <p:nvPr>
               <p:extLst>
                 <p:ext uri="{386F3935-93C4-4BCD-93E2-E3B085C9AB24}">
-                  <p16:designElem xmlns="" xmlns:p16="http://schemas.microsoft.com/office/powerpoint/2015/main" val="1"/>
+                  <p16:designElem xmlns:p16="http://schemas.microsoft.com/office/powerpoint/2015/main" val="1"/>
                 </p:ext>
               </p:extLst>
             </p:nvPr>
@@ -10264,7 +10684,7 @@
             <p:cNvPr id="12" name="Freeform 10">
               <a:extLst>
                 <a:ext uri="{FF2B5EF4-FFF2-40B4-BE49-F238E27FC236}">
-                  <a16:creationId xmlns="" xmlns:a16="http://schemas.microsoft.com/office/drawing/2014/main" id="{FC7B1DF4-AD98-42A8-820F-667A3DCC40AC}"/>
+                  <a16:creationId xmlns:a16="http://schemas.microsoft.com/office/drawing/2014/main" xmlns="" id="{FC7B1DF4-AD98-42A8-820F-667A3DCC40AC}"/>
                 </a:ext>
               </a:extLst>
             </p:cNvPr>
@@ -10272,7 +10692,7 @@
             <p:nvPr>
               <p:extLst>
                 <p:ext uri="{386F3935-93C4-4BCD-93E2-E3B085C9AB24}">
-                  <p16:designElem xmlns="" xmlns:p16="http://schemas.microsoft.com/office/powerpoint/2015/main" val="1"/>
+                  <p16:designElem xmlns:p16="http://schemas.microsoft.com/office/powerpoint/2015/main" val="1"/>
                 </p:ext>
               </p:extLst>
             </p:nvPr>
@@ -10321,7 +10741,7 @@
             <p:cNvPr id="13" name="Freeform 11">
               <a:extLst>
                 <a:ext uri="{FF2B5EF4-FFF2-40B4-BE49-F238E27FC236}">
-                  <a16:creationId xmlns="" xmlns:a16="http://schemas.microsoft.com/office/drawing/2014/main" id="{61C58B74-3656-4FD5-AC47-EE3A59EBB818}"/>
+                  <a16:creationId xmlns:a16="http://schemas.microsoft.com/office/drawing/2014/main" xmlns="" id="{61C58B74-3656-4FD5-AC47-EE3A59EBB818}"/>
                 </a:ext>
               </a:extLst>
             </p:cNvPr>
@@ -10329,7 +10749,7 @@
             <p:nvPr>
               <p:extLst>
                 <p:ext uri="{386F3935-93C4-4BCD-93E2-E3B085C9AB24}">
-                  <p16:designElem xmlns="" xmlns:p16="http://schemas.microsoft.com/office/powerpoint/2015/main" val="1"/>
+                  <p16:designElem xmlns:p16="http://schemas.microsoft.com/office/powerpoint/2015/main" val="1"/>
                 </p:ext>
               </p:extLst>
             </p:nvPr>
@@ -10384,7 +10804,7 @@
             <p:cNvPr id="14" name="Freeform 12">
               <a:extLst>
                 <a:ext uri="{FF2B5EF4-FFF2-40B4-BE49-F238E27FC236}">
-                  <a16:creationId xmlns="" xmlns:a16="http://schemas.microsoft.com/office/drawing/2014/main" id="{8B349A01-D803-4A18-B608-47BFCED43435}"/>
+                  <a16:creationId xmlns:a16="http://schemas.microsoft.com/office/drawing/2014/main" xmlns="" id="{8B349A01-D803-4A18-B608-47BFCED43435}"/>
                 </a:ext>
               </a:extLst>
             </p:cNvPr>
@@ -10392,7 +10812,7 @@
             <p:nvPr>
               <p:extLst>
                 <p:ext uri="{386F3935-93C4-4BCD-93E2-E3B085C9AB24}">
-                  <p16:designElem xmlns="" xmlns:p16="http://schemas.microsoft.com/office/powerpoint/2015/main" val="1"/>
+                  <p16:designElem xmlns:p16="http://schemas.microsoft.com/office/powerpoint/2015/main" val="1"/>
                 </p:ext>
               </p:extLst>
             </p:nvPr>
@@ -10455,7 +10875,7 @@
           <p:cNvPr id="16" name="Rectangle 15">
             <a:extLst>
               <a:ext uri="{FF2B5EF4-FFF2-40B4-BE49-F238E27FC236}">
-                <a16:creationId xmlns="" xmlns:a16="http://schemas.microsoft.com/office/drawing/2014/main" id="{15655827-B42D-4180-88D3-D83F25E4BD1C}"/>
+                <a16:creationId xmlns:a16="http://schemas.microsoft.com/office/drawing/2014/main" xmlns="" id="{15655827-B42D-4180-88D3-D83F25E4BD1C}"/>
               </a:ext>
             </a:extLst>
           </p:cNvPr>
@@ -10465,7 +10885,7 @@
           <p:nvPr>
             <p:extLst>
               <p:ext uri="{386F3935-93C4-4BCD-93E2-E3B085C9AB24}">
-                <p16:designElem xmlns="" xmlns:p16="http://schemas.microsoft.com/office/powerpoint/2015/main" val="1"/>
+                <p16:designElem xmlns:p16="http://schemas.microsoft.com/office/powerpoint/2015/main" val="1"/>
               </p:ext>
             </p:extLst>
           </p:nvPr>
@@ -10497,7 +10917,7 @@
           <p:cNvPr id="18" name="Freeform: Shape 17">
             <a:extLst>
               <a:ext uri="{FF2B5EF4-FFF2-40B4-BE49-F238E27FC236}">
-                <a16:creationId xmlns="" xmlns:a16="http://schemas.microsoft.com/office/drawing/2014/main" id="{24ACCB06-563C-4ADE-B4D6-1FE9F723C7D9}"/>
+                <a16:creationId xmlns:a16="http://schemas.microsoft.com/office/drawing/2014/main" xmlns="" id="{24ACCB06-563C-4ADE-B4D6-1FE9F723C7D9}"/>
               </a:ext>
             </a:extLst>
           </p:cNvPr>
@@ -10507,7 +10927,7 @@
           <p:nvPr>
             <p:extLst>
               <p:ext uri="{386F3935-93C4-4BCD-93E2-E3B085C9AB24}">
-                <p16:designElem xmlns="" xmlns:p16="http://schemas.microsoft.com/office/powerpoint/2015/main" val="1"/>
+                <p16:designElem xmlns:p16="http://schemas.microsoft.com/office/powerpoint/2015/main" val="1"/>
               </p:ext>
             </p:extLst>
           </p:nvPr>
@@ -10576,7 +10996,7 @@
           <p:cNvPr id="20" name="Freeform: Shape 19">
             <a:extLst>
               <a:ext uri="{FF2B5EF4-FFF2-40B4-BE49-F238E27FC236}">
-                <a16:creationId xmlns="" xmlns:a16="http://schemas.microsoft.com/office/drawing/2014/main" id="{40761ECD-D92B-46AE-82CA-640023D282F9}"/>
+                <a16:creationId xmlns:a16="http://schemas.microsoft.com/office/drawing/2014/main" xmlns="" id="{40761ECD-D92B-46AE-82CA-640023D282F9}"/>
               </a:ext>
             </a:extLst>
           </p:cNvPr>
@@ -10586,7 +11006,7 @@
           <p:nvPr>
             <p:extLst>
               <p:ext uri="{386F3935-93C4-4BCD-93E2-E3B085C9AB24}">
-                <p16:designElem xmlns="" xmlns:p16="http://schemas.microsoft.com/office/powerpoint/2015/main" val="1"/>
+                <p16:designElem xmlns:p16="http://schemas.microsoft.com/office/powerpoint/2015/main" val="1"/>
               </p:ext>
             </p:extLst>
           </p:nvPr>
@@ -10657,7 +11077,7 @@
           <p:cNvPr id="22" name="Freeform: Shape 21">
             <a:extLst>
               <a:ext uri="{FF2B5EF4-FFF2-40B4-BE49-F238E27FC236}">
-                <a16:creationId xmlns="" xmlns:a16="http://schemas.microsoft.com/office/drawing/2014/main" id="{9A928607-C55C-40FD-B2DF-6CD6A7226A71}"/>
+                <a16:creationId xmlns:a16="http://schemas.microsoft.com/office/drawing/2014/main" xmlns="" id="{9A928607-C55C-40FD-B2DF-6CD6A7226A71}"/>
               </a:ext>
             </a:extLst>
           </p:cNvPr>
@@ -10667,7 +11087,7 @@
           <p:nvPr>
             <p:extLst>
               <p:ext uri="{386F3935-93C4-4BCD-93E2-E3B085C9AB24}">
-                <p16:designElem xmlns="" xmlns:p16="http://schemas.microsoft.com/office/powerpoint/2015/main" val="1"/>
+                <p16:designElem xmlns:p16="http://schemas.microsoft.com/office/powerpoint/2015/main" val="1"/>
               </p:ext>
             </p:extLst>
           </p:nvPr>
@@ -10738,7 +11158,7 @@
           <p:cNvPr id="24" name="Freeform: Shape 23">
             <a:extLst>
               <a:ext uri="{FF2B5EF4-FFF2-40B4-BE49-F238E27FC236}">
-                <a16:creationId xmlns="" xmlns:a16="http://schemas.microsoft.com/office/drawing/2014/main" id="{400A20C1-29A4-43E0-AB15-7931F76F8C2D}"/>
+                <a16:creationId xmlns:a16="http://schemas.microsoft.com/office/drawing/2014/main" xmlns="" id="{400A20C1-29A4-43E0-AB15-7931F76F8C2D}"/>
               </a:ext>
             </a:extLst>
           </p:cNvPr>
@@ -10748,7 +11168,7 @@
           <p:nvPr>
             <p:extLst>
               <p:ext uri="{386F3935-93C4-4BCD-93E2-E3B085C9AB24}">
-                <p16:designElem xmlns="" xmlns:p16="http://schemas.microsoft.com/office/powerpoint/2015/main" val="1"/>
+                <p16:designElem xmlns:p16="http://schemas.microsoft.com/office/powerpoint/2015/main" val="1"/>
               </p:ext>
             </p:extLst>
           </p:nvPr>
@@ -10817,7 +11237,7 @@
           <p:cNvPr id="2" name="Title 1">
             <a:extLst>
               <a:ext uri="{FF2B5EF4-FFF2-40B4-BE49-F238E27FC236}">
-                <a16:creationId xmlns="" xmlns:a16="http://schemas.microsoft.com/office/drawing/2014/main" id="{5EDC68C8-BCA4-49B4-A92E-62F84F2FA622}"/>
+                <a16:creationId xmlns:a16="http://schemas.microsoft.com/office/drawing/2014/main" xmlns="" id="{5EDC68C8-BCA4-49B4-A92E-62F84F2FA622}"/>
               </a:ext>
             </a:extLst>
           </p:cNvPr>
@@ -10906,7 +11326,7 @@
           <p:cNvPr id="8" name="Rectangle 7">
             <a:extLst>
               <a:ext uri="{FF2B5EF4-FFF2-40B4-BE49-F238E27FC236}">
-                <a16:creationId xmlns="" xmlns:a16="http://schemas.microsoft.com/office/drawing/2014/main" id="{C8643778-7F6C-4E8D-84D1-D5CDB9928191}"/>
+                <a16:creationId xmlns:a16="http://schemas.microsoft.com/office/drawing/2014/main" xmlns="" id="{C8643778-7F6C-4E8D-84D1-D5CDB9928191}"/>
               </a:ext>
             </a:extLst>
           </p:cNvPr>
@@ -10916,7 +11336,7 @@
           <p:nvPr>
             <p:extLst>
               <p:ext uri="{386F3935-93C4-4BCD-93E2-E3B085C9AB24}">
-                <p16:designElem xmlns="" xmlns:p16="http://schemas.microsoft.com/office/powerpoint/2015/main" val="1"/>
+                <p16:designElem xmlns:p16="http://schemas.microsoft.com/office/powerpoint/2015/main" val="1"/>
               </p:ext>
             </p:extLst>
           </p:nvPr>
@@ -10963,7 +11383,7 @@
           <p:cNvPr id="10" name="Freeform: Shape 9">
             <a:extLst>
               <a:ext uri="{FF2B5EF4-FFF2-40B4-BE49-F238E27FC236}">
-                <a16:creationId xmlns="" xmlns:a16="http://schemas.microsoft.com/office/drawing/2014/main" id="{1D22F88D-6907-48AF-B024-346E855E0D96}"/>
+                <a16:creationId xmlns:a16="http://schemas.microsoft.com/office/drawing/2014/main" xmlns="" id="{1D22F88D-6907-48AF-B024-346E855E0D96}"/>
               </a:ext>
             </a:extLst>
           </p:cNvPr>
@@ -10973,7 +11393,7 @@
           <p:nvPr>
             <p:extLst>
               <p:ext uri="{386F3935-93C4-4BCD-93E2-E3B085C9AB24}">
-                <p16:designElem xmlns="" xmlns:p16="http://schemas.microsoft.com/office/powerpoint/2015/main" val="1"/>
+                <p16:designElem xmlns:p16="http://schemas.microsoft.com/office/powerpoint/2015/main" val="1"/>
               </p:ext>
             </p:extLst>
           </p:nvPr>
@@ -11143,7 +11563,7 @@
           <p:cNvPr id="12" name="Group 11">
             <a:extLst>
               <a:ext uri="{FF2B5EF4-FFF2-40B4-BE49-F238E27FC236}">
-                <a16:creationId xmlns="" xmlns:a16="http://schemas.microsoft.com/office/drawing/2014/main" id="{F3842748-48B5-4DD0-A06A-A31C74024A99}"/>
+                <a16:creationId xmlns:a16="http://schemas.microsoft.com/office/drawing/2014/main" xmlns="" id="{F3842748-48B5-4DD0-A06A-A31C74024A99}"/>
               </a:ext>
             </a:extLst>
           </p:cNvPr>
@@ -11153,7 +11573,7 @@
           <p:nvPr>
             <p:extLst>
               <p:ext uri="{386F3935-93C4-4BCD-93E2-E3B085C9AB24}">
-                <p16:designElem xmlns="" xmlns:p16="http://schemas.microsoft.com/office/powerpoint/2015/main" val="1"/>
+                <p16:designElem xmlns:p16="http://schemas.microsoft.com/office/powerpoint/2015/main" val="1"/>
               </p:ext>
             </p:extLst>
           </p:nvPr>
@@ -11171,7 +11591,7 @@
             <p:cNvPr id="13" name="Freeform 6">
               <a:extLst>
                 <a:ext uri="{FF2B5EF4-FFF2-40B4-BE49-F238E27FC236}">
-                  <a16:creationId xmlns="" xmlns:a16="http://schemas.microsoft.com/office/drawing/2014/main" id="{548E99BE-1071-4690-9B9C-07926CEE5557}"/>
+                  <a16:creationId xmlns:a16="http://schemas.microsoft.com/office/drawing/2014/main" xmlns="" id="{548E99BE-1071-4690-9B9C-07926CEE5557}"/>
                 </a:ext>
               </a:extLst>
             </p:cNvPr>
@@ -11179,7 +11599,7 @@
             <p:nvPr>
               <p:extLst>
                 <p:ext uri="{386F3935-93C4-4BCD-93E2-E3B085C9AB24}">
-                  <p16:designElem xmlns="" xmlns:p16="http://schemas.microsoft.com/office/powerpoint/2015/main" val="1"/>
+                  <p16:designElem xmlns:p16="http://schemas.microsoft.com/office/powerpoint/2015/main" val="1"/>
                 </p:ext>
               </p:extLst>
             </p:nvPr>
@@ -11229,7 +11649,7 @@
             <p:cNvPr id="14" name="Freeform 7">
               <a:extLst>
                 <a:ext uri="{FF2B5EF4-FFF2-40B4-BE49-F238E27FC236}">
-                  <a16:creationId xmlns="" xmlns:a16="http://schemas.microsoft.com/office/drawing/2014/main" id="{9301F039-B467-413A-B25C-770E51069D42}"/>
+                  <a16:creationId xmlns:a16="http://schemas.microsoft.com/office/drawing/2014/main" xmlns="" id="{9301F039-B467-413A-B25C-770E51069D42}"/>
                 </a:ext>
               </a:extLst>
             </p:cNvPr>
@@ -11237,7 +11657,7 @@
             <p:nvPr>
               <p:extLst>
                 <p:ext uri="{386F3935-93C4-4BCD-93E2-E3B085C9AB24}">
-                  <p16:designElem xmlns="" xmlns:p16="http://schemas.microsoft.com/office/powerpoint/2015/main" val="1"/>
+                  <p16:designElem xmlns:p16="http://schemas.microsoft.com/office/powerpoint/2015/main" val="1"/>
                 </p:ext>
               </p:extLst>
             </p:nvPr>
@@ -11290,7 +11710,7 @@
             <p:cNvPr id="15" name="Freeform 8">
               <a:extLst>
                 <a:ext uri="{FF2B5EF4-FFF2-40B4-BE49-F238E27FC236}">
-                  <a16:creationId xmlns="" xmlns:a16="http://schemas.microsoft.com/office/drawing/2014/main" id="{9F06AEC1-5558-49E8-8CAC-FEBD00DF0031}"/>
+                  <a16:creationId xmlns:a16="http://schemas.microsoft.com/office/drawing/2014/main" xmlns="" id="{9F06AEC1-5558-49E8-8CAC-FEBD00DF0031}"/>
                 </a:ext>
               </a:extLst>
             </p:cNvPr>
@@ -11298,7 +11718,7 @@
             <p:nvPr>
               <p:extLst>
                 <p:ext uri="{386F3935-93C4-4BCD-93E2-E3B085C9AB24}">
-                  <p16:designElem xmlns="" xmlns:p16="http://schemas.microsoft.com/office/powerpoint/2015/main" val="1"/>
+                  <p16:designElem xmlns:p16="http://schemas.microsoft.com/office/powerpoint/2015/main" val="1"/>
                 </p:ext>
               </p:extLst>
             </p:nvPr>
@@ -11348,7 +11768,7 @@
             <p:cNvPr id="16" name="Freeform 9">
               <a:extLst>
                 <a:ext uri="{FF2B5EF4-FFF2-40B4-BE49-F238E27FC236}">
-                  <a16:creationId xmlns="" xmlns:a16="http://schemas.microsoft.com/office/drawing/2014/main" id="{D10B76B9-BA68-471E-B58C-ED91198A9FAB}"/>
+                  <a16:creationId xmlns:a16="http://schemas.microsoft.com/office/drawing/2014/main" xmlns="" id="{D10B76B9-BA68-471E-B58C-ED91198A9FAB}"/>
                 </a:ext>
               </a:extLst>
             </p:cNvPr>
@@ -11356,7 +11776,7 @@
             <p:nvPr>
               <p:extLst>
                 <p:ext uri="{386F3935-93C4-4BCD-93E2-E3B085C9AB24}">
-                  <p16:designElem xmlns="" xmlns:p16="http://schemas.microsoft.com/office/powerpoint/2015/main" val="1"/>
+                  <p16:designElem xmlns:p16="http://schemas.microsoft.com/office/powerpoint/2015/main" val="1"/>
                 </p:ext>
               </p:extLst>
             </p:nvPr>
@@ -11405,7 +11825,7 @@
             <p:cNvPr id="17" name="Freeform 10">
               <a:extLst>
                 <a:ext uri="{FF2B5EF4-FFF2-40B4-BE49-F238E27FC236}">
-                  <a16:creationId xmlns="" xmlns:a16="http://schemas.microsoft.com/office/drawing/2014/main" id="{FEB3913B-54A3-490E-BA4B-5D0330990FCB}"/>
+                  <a16:creationId xmlns:a16="http://schemas.microsoft.com/office/drawing/2014/main" xmlns="" id="{FEB3913B-54A3-490E-BA4B-5D0330990FCB}"/>
                 </a:ext>
               </a:extLst>
             </p:cNvPr>
@@ -11413,7 +11833,7 @@
             <p:nvPr>
               <p:extLst>
                 <p:ext uri="{386F3935-93C4-4BCD-93E2-E3B085C9AB24}">
-                  <p16:designElem xmlns="" xmlns:p16="http://schemas.microsoft.com/office/powerpoint/2015/main" val="1"/>
+                  <p16:designElem xmlns:p16="http://schemas.microsoft.com/office/powerpoint/2015/main" val="1"/>
                 </p:ext>
               </p:extLst>
             </p:nvPr>
@@ -11468,7 +11888,7 @@
             <p:cNvPr id="18" name="Freeform 11">
               <a:extLst>
                 <a:ext uri="{FF2B5EF4-FFF2-40B4-BE49-F238E27FC236}">
-                  <a16:creationId xmlns="" xmlns:a16="http://schemas.microsoft.com/office/drawing/2014/main" id="{F75DC961-08A4-46F8-8A80-2E1FB977E1F4}"/>
+                  <a16:creationId xmlns:a16="http://schemas.microsoft.com/office/drawing/2014/main" xmlns="" id="{F75DC961-08A4-46F8-8A80-2E1FB977E1F4}"/>
                 </a:ext>
               </a:extLst>
             </p:cNvPr>
@@ -11476,7 +11896,7 @@
             <p:nvPr>
               <p:extLst>
                 <p:ext uri="{386F3935-93C4-4BCD-93E2-E3B085C9AB24}">
-                  <p16:designElem xmlns="" xmlns:p16="http://schemas.microsoft.com/office/powerpoint/2015/main" val="1"/>
+                  <p16:designElem xmlns:p16="http://schemas.microsoft.com/office/powerpoint/2015/main" val="1"/>
                 </p:ext>
               </p:extLst>
             </p:nvPr>
@@ -11545,7 +11965,7 @@
           <p:cNvPr id="2" name="Title 1">
             <a:extLst>
               <a:ext uri="{FF2B5EF4-FFF2-40B4-BE49-F238E27FC236}">
-                <a16:creationId xmlns="" xmlns:a16="http://schemas.microsoft.com/office/drawing/2014/main" id="{59725F95-D404-43FE-95A8-7DD20BE03D2A}"/>
+                <a16:creationId xmlns:a16="http://schemas.microsoft.com/office/drawing/2014/main" xmlns="" id="{59725F95-D404-43FE-95A8-7DD20BE03D2A}"/>
               </a:ext>
             </a:extLst>
           </p:cNvPr>
@@ -11586,7 +12006,7 @@
           <p:cNvPr id="3" name="Content Placeholder 2">
             <a:extLst>
               <a:ext uri="{FF2B5EF4-FFF2-40B4-BE49-F238E27FC236}">
-                <a16:creationId xmlns="" xmlns:a16="http://schemas.microsoft.com/office/drawing/2014/main" id="{06FC5ED0-6992-4706-9407-179981B61012}"/>
+                <a16:creationId xmlns:a16="http://schemas.microsoft.com/office/drawing/2014/main" xmlns="" id="{06FC5ED0-6992-4706-9407-179981B61012}"/>
               </a:ext>
             </a:extLst>
           </p:cNvPr>
@@ -11703,7 +12123,7 @@
           <p:cNvPr id="2" name="Title 1">
             <a:extLst>
               <a:ext uri="{FF2B5EF4-FFF2-40B4-BE49-F238E27FC236}">
-                <a16:creationId xmlns="" xmlns:a16="http://schemas.microsoft.com/office/drawing/2014/main" id="{6A89ED34-EDAF-4F6A-89F2-60A19D6C3973}"/>
+                <a16:creationId xmlns:a16="http://schemas.microsoft.com/office/drawing/2014/main" xmlns="" id="{6A89ED34-EDAF-4F6A-89F2-60A19D6C3973}"/>
               </a:ext>
             </a:extLst>
           </p:cNvPr>
@@ -11738,7 +12158,7 @@
           <p:cNvPr id="3" name="Content Placeholder 2">
             <a:extLst>
               <a:ext uri="{FF2B5EF4-FFF2-40B4-BE49-F238E27FC236}">
-                <a16:creationId xmlns="" xmlns:a16="http://schemas.microsoft.com/office/drawing/2014/main" id="{97CC6E24-E4E6-4A1A-92FF-49CB85C784A4}"/>
+                <a16:creationId xmlns:a16="http://schemas.microsoft.com/office/drawing/2014/main" xmlns="" id="{97CC6E24-E4E6-4A1A-92FF-49CB85C784A4}"/>
               </a:ext>
             </a:extLst>
           </p:cNvPr>
@@ -11861,7 +12281,7 @@
           <p:cNvPr id="2" name="Title 1">
             <a:extLst>
               <a:ext uri="{FF2B5EF4-FFF2-40B4-BE49-F238E27FC236}">
-                <a16:creationId xmlns="" xmlns:a16="http://schemas.microsoft.com/office/drawing/2014/main" id="{3E12B35A-48CB-485A-9558-03004C38AE8C}"/>
+                <a16:creationId xmlns:a16="http://schemas.microsoft.com/office/drawing/2014/main" xmlns="" id="{3E12B35A-48CB-485A-9558-03004C38AE8C}"/>
               </a:ext>
             </a:extLst>
           </p:cNvPr>
@@ -11891,7 +12311,7 @@
           <p:cNvPr id="3" name="Content Placeholder 2">
             <a:extLst>
               <a:ext uri="{FF2B5EF4-FFF2-40B4-BE49-F238E27FC236}">
-                <a16:creationId xmlns="" xmlns:a16="http://schemas.microsoft.com/office/drawing/2014/main" id="{B504E32B-0C43-4ADB-83F3-C4FD2C5E5F29}"/>
+                <a16:creationId xmlns:a16="http://schemas.microsoft.com/office/drawing/2014/main" xmlns="" id="{B504E32B-0C43-4ADB-83F3-C4FD2C5E5F29}"/>
               </a:ext>
             </a:extLst>
           </p:cNvPr>
@@ -12019,7 +12439,7 @@
           <p:cNvPr id="2" name="Title 1">
             <a:extLst>
               <a:ext uri="{FF2B5EF4-FFF2-40B4-BE49-F238E27FC236}">
-                <a16:creationId xmlns="" xmlns:a16="http://schemas.microsoft.com/office/drawing/2014/main" id="{3E12B35A-48CB-485A-9558-03004C38AE8C}"/>
+                <a16:creationId xmlns:a16="http://schemas.microsoft.com/office/drawing/2014/main" xmlns="" id="{3E12B35A-48CB-485A-9558-03004C38AE8C}"/>
               </a:ext>
             </a:extLst>
           </p:cNvPr>
@@ -12052,7 +12472,7 @@
           <p:cNvPr id="3" name="Content Placeholder 2">
             <a:extLst>
               <a:ext uri="{FF2B5EF4-FFF2-40B4-BE49-F238E27FC236}">
-                <a16:creationId xmlns="" xmlns:a16="http://schemas.microsoft.com/office/drawing/2014/main" id="{B504E32B-0C43-4ADB-83F3-C4FD2C5E5F29}"/>
+                <a16:creationId xmlns:a16="http://schemas.microsoft.com/office/drawing/2014/main" xmlns="" id="{B504E32B-0C43-4ADB-83F3-C4FD2C5E5F29}"/>
               </a:ext>
             </a:extLst>
           </p:cNvPr>
@@ -12157,7 +12577,7 @@
           <p:cNvPr id="2" name="Title 1">
             <a:extLst>
               <a:ext uri="{FF2B5EF4-FFF2-40B4-BE49-F238E27FC236}">
-                <a16:creationId xmlns="" xmlns:a16="http://schemas.microsoft.com/office/drawing/2014/main" id="{6BE8859D-ECEC-4CE4-9EAC-540EF73A147D}"/>
+                <a16:creationId xmlns:a16="http://schemas.microsoft.com/office/drawing/2014/main" xmlns="" id="{6BE8859D-ECEC-4CE4-9EAC-540EF73A147D}"/>
               </a:ext>
             </a:extLst>
           </p:cNvPr>
@@ -12187,7 +12607,7 @@
           <p:cNvPr id="3" name="Content Placeholder 2">
             <a:extLst>
               <a:ext uri="{FF2B5EF4-FFF2-40B4-BE49-F238E27FC236}">
-                <a16:creationId xmlns="" xmlns:a16="http://schemas.microsoft.com/office/drawing/2014/main" id="{C5035E2B-F335-4844-8AA4-CB0CDAFE8D63}"/>
+                <a16:creationId xmlns:a16="http://schemas.microsoft.com/office/drawing/2014/main" xmlns="" id="{C5035E2B-F335-4844-8AA4-CB0CDAFE8D63}"/>
               </a:ext>
             </a:extLst>
           </p:cNvPr>
@@ -12357,7 +12777,7 @@
           <p:cNvPr id="2" name="Title 1">
             <a:extLst>
               <a:ext uri="{FF2B5EF4-FFF2-40B4-BE49-F238E27FC236}">
-                <a16:creationId xmlns="" xmlns:a16="http://schemas.microsoft.com/office/drawing/2014/main" id="{7FA8AF37-0410-4CBB-A859-7A57AB6AC3BE}"/>
+                <a16:creationId xmlns:a16="http://schemas.microsoft.com/office/drawing/2014/main" xmlns="" id="{7FA8AF37-0410-4CBB-A859-7A57AB6AC3BE}"/>
               </a:ext>
             </a:extLst>
           </p:cNvPr>
@@ -12389,7 +12809,7 @@
           <p:cNvPr id="3" name="Content Placeholder 2">
             <a:extLst>
               <a:ext uri="{FF2B5EF4-FFF2-40B4-BE49-F238E27FC236}">
-                <a16:creationId xmlns="" xmlns:a16="http://schemas.microsoft.com/office/drawing/2014/main" id="{B8276DC7-BF44-4509-8C54-E0D709044364}"/>
+                <a16:creationId xmlns:a16="http://schemas.microsoft.com/office/drawing/2014/main" xmlns="" id="{B8276DC7-BF44-4509-8C54-E0D709044364}"/>
               </a:ext>
             </a:extLst>
           </p:cNvPr>
@@ -12541,7 +12961,7 @@
           <p:cNvPr id="2" name="Title 1">
             <a:extLst>
               <a:ext uri="{FF2B5EF4-FFF2-40B4-BE49-F238E27FC236}">
-                <a16:creationId xmlns="" xmlns:a16="http://schemas.microsoft.com/office/drawing/2014/main" id="{8670A59C-57FE-4DE3-844B-7B8D57341B88}"/>
+                <a16:creationId xmlns:a16="http://schemas.microsoft.com/office/drawing/2014/main" xmlns="" id="{A963DD68-D09D-4BBF-A7F4-21FB142DB43A}"/>
               </a:ext>
             </a:extLst>
           </p:cNvPr>
@@ -12554,7 +12974,7 @@
         </p:nvSpPr>
         <p:spPr>
           <a:xfrm>
-            <a:off x="1458911" y="0"/>
+            <a:off x="1425239" y="-241300"/>
             <a:ext cx="10018713" cy="1752599"/>
           </a:xfrm>
         </p:spPr>
@@ -12566,37 +12986,41 @@
               <a:rPr lang="en-US" dirty="0">
                 <a:latin typeface="Century Gothic" panose="020B0502020202020204" pitchFamily="34" charset="0"/>
               </a:rPr>
-              <a:t>Review Count by Age</a:t>
+              <a:t>Population</a:t>
             </a:r>
           </a:p>
         </p:txBody>
       </p:sp>
       <p:pic>
         <p:nvPicPr>
-          <p:cNvPr id="4" name="Content Placeholder 3">
+          <p:cNvPr id="7" name="Picture 6" descr="A screenshot of a cell phone&#10;&#10;Description generated with very high confidence">
             <a:extLst>
               <a:ext uri="{FF2B5EF4-FFF2-40B4-BE49-F238E27FC236}">
-                <a16:creationId xmlns="" xmlns:a16="http://schemas.microsoft.com/office/drawing/2014/main" id="{27B87EBF-A137-4D3E-A7C3-BE0AC57D8BD7}"/>
+                <a16:creationId xmlns:a16="http://schemas.microsoft.com/office/drawing/2014/main" xmlns="" id="{9359C768-6D82-4D02-9418-70CCC34CFC85}"/>
               </a:ext>
             </a:extLst>
           </p:cNvPr>
           <p:cNvPicPr>
-            <a:picLocks noGrp="1" noChangeAspect="1"/>
+            <a:picLocks noChangeAspect="1"/>
           </p:cNvPicPr>
-          <p:nvPr>
-            <p:ph idx="1"/>
-          </p:nvPr>
+          <p:nvPr/>
         </p:nvPicPr>
         <p:blipFill>
-          <a:blip r:embed="rId3"/>
+          <a:blip r:embed="rId2">
+            <a:extLst>
+              <a:ext uri="{28A0092B-C50C-407E-A947-70E740481C1C}">
+                <a14:useLocalDpi xmlns:a14="http://schemas.microsoft.com/office/drawing/2010/main" val="0"/>
+              </a:ext>
+            </a:extLst>
+          </a:blip>
           <a:stretch>
             <a:fillRect/>
           </a:stretch>
         </p:blipFill>
         <p:spPr>
           <a:xfrm>
-            <a:off x="1980403" y="2002389"/>
-            <a:ext cx="4487864" cy="3014113"/>
+            <a:off x="481047" y="1511299"/>
+            <a:ext cx="4290825" cy="4290825"/>
           </a:xfrm>
           <a:prstGeom prst="rect">
             <a:avLst/>
@@ -12615,48 +13039,38 @@
       </p:pic>
       <p:pic>
         <p:nvPicPr>
-          <p:cNvPr id="5" name="Picture 4">
-            <a:extLst>
-              <a:ext uri="{FF2B5EF4-FFF2-40B4-BE49-F238E27FC236}">
-                <a16:creationId xmlns="" xmlns:a16="http://schemas.microsoft.com/office/drawing/2014/main" id="{F4196D0B-DD7F-45B7-BE74-8F04EBB5BCE7}"/>
-              </a:ext>
-            </a:extLst>
-          </p:cNvPr>
+          <p:cNvPr id="3" name="Picture 2"/>
           <p:cNvPicPr>
             <a:picLocks noChangeAspect="1"/>
           </p:cNvPicPr>
           <p:nvPr/>
         </p:nvPicPr>
         <p:blipFill>
-          <a:blip r:embed="rId4"/>
+          <a:blip r:embed="rId3">
+            <a:extLst>
+              <a:ext uri="{28A0092B-C50C-407E-A947-70E740481C1C}">
+                <a14:useLocalDpi xmlns:a14="http://schemas.microsoft.com/office/drawing/2010/main" val="0"/>
+              </a:ext>
+            </a:extLst>
+          </a:blip>
           <a:stretch>
             <a:fillRect/>
           </a:stretch>
         </p:blipFill>
         <p:spPr>
           <a:xfrm>
-            <a:off x="6734562" y="2035694"/>
-            <a:ext cx="4479538" cy="2980808"/>
+            <a:off x="5364712" y="1511299"/>
+            <a:ext cx="5486400" cy="3657600"/>
           </a:xfrm>
           <a:prstGeom prst="rect">
             <a:avLst/>
           </a:prstGeom>
-          <a:ln>
-            <a:noFill/>
-          </a:ln>
-          <a:effectLst>
-            <a:outerShdw blurRad="292100" dist="139700" dir="2700000" algn="tl" rotWithShape="0">
-              <a:srgbClr val="333333">
-                <a:alpha val="65000"/>
-              </a:srgbClr>
-            </a:outerShdw>
-          </a:effectLst>
         </p:spPr>
       </p:pic>
     </p:spTree>
     <p:extLst>
       <p:ext uri="{BB962C8B-B14F-4D97-AF65-F5344CB8AC3E}">
-        <p14:creationId xmlns:p14="http://schemas.microsoft.com/office/powerpoint/2010/main" val="1187286746"/>
+        <p14:creationId xmlns:p14="http://schemas.microsoft.com/office/powerpoint/2010/main" val="2582316527"/>
       </p:ext>
     </p:extLst>
   </p:cSld>
@@ -12688,7 +13102,7 @@
           <p:cNvPr id="2" name="Title 1">
             <a:extLst>
               <a:ext uri="{FF2B5EF4-FFF2-40B4-BE49-F238E27FC236}">
-                <a16:creationId xmlns="" xmlns:a16="http://schemas.microsoft.com/office/drawing/2014/main" id="{EFCE46B2-DE65-4A6A-B6D3-62E94E56C710}"/>
+                <a16:creationId xmlns:a16="http://schemas.microsoft.com/office/drawing/2014/main" xmlns="" id="{EFCE46B2-DE65-4A6A-B6D3-62E94E56C710}"/>
               </a:ext>
             </a:extLst>
           </p:cNvPr>
@@ -12701,7 +13115,7 @@
         </p:nvSpPr>
         <p:spPr>
           <a:xfrm>
-            <a:off x="2173287" y="-399436"/>
+            <a:off x="1418544" y="0"/>
             <a:ext cx="10018713" cy="1752599"/>
           </a:xfrm>
         </p:spPr>
@@ -12710,27 +13124,22 @@
           <a:lstStyle/>
           <a:p>
             <a:r>
-              <a:rPr lang="en-US" dirty="0"/>
-              <a:t>Ethnicity vs. Review Count</a:t>
-            </a:r>
+              <a:rPr lang="en-US" smtClean="0"/>
+              <a:t>Ethnicity of Yelp Users</a:t>
+            </a:r>
+            <a:endParaRPr lang="en-US" dirty="0"/>
           </a:p>
         </p:txBody>
       </p:sp>
       <p:pic>
         <p:nvPicPr>
-          <p:cNvPr id="4" name="Picture 3">
-            <a:extLst>
-              <a:ext uri="{FF2B5EF4-FFF2-40B4-BE49-F238E27FC236}">
-                <a16:creationId xmlns="" xmlns:a16="http://schemas.microsoft.com/office/drawing/2014/main" id="{26B56FBC-1D9C-524D-B3B4-DD1F5AED6DA8}"/>
-              </a:ext>
-            </a:extLst>
-          </p:cNvPr>
+          <p:cNvPr id="3" name="Picture 2"/>
           <p:cNvPicPr>
             <a:picLocks noChangeAspect="1"/>
           </p:cNvPicPr>
           <p:nvPr/>
         </p:nvPicPr>
-        <p:blipFill>
+        <p:blipFill rotWithShape="1">
           <a:blip r:embed="rId2">
             <a:extLst>
               <a:ext uri="{28A0092B-C50C-407E-A947-70E740481C1C}">
@@ -12738,14 +13147,13 @@
               </a:ext>
             </a:extLst>
           </a:blip>
-          <a:stretch>
-            <a:fillRect/>
-          </a:stretch>
+          <a:srcRect t="6938" b="5766"/>
+          <a:stretch/>
         </p:blipFill>
         <p:spPr>
           <a:xfrm>
-            <a:off x="7574595" y="3501078"/>
-            <a:ext cx="3569684" cy="3356922"/>
+            <a:off x="201385" y="2024743"/>
+            <a:ext cx="5867400" cy="2705100"/>
           </a:xfrm>
           <a:prstGeom prst="rect">
             <a:avLst/>
@@ -12754,13 +13162,7 @@
       </p:pic>
       <p:pic>
         <p:nvPicPr>
-          <p:cNvPr id="7" name="Picture 6">
-            <a:extLst>
-              <a:ext uri="{FF2B5EF4-FFF2-40B4-BE49-F238E27FC236}">
-                <a16:creationId xmlns="" xmlns:a16="http://schemas.microsoft.com/office/drawing/2014/main" id="{B64C5D0D-B6B5-8E49-BAD1-0DA196797E76}"/>
-              </a:ext>
-            </a:extLst>
-          </p:cNvPr>
+          <p:cNvPr id="5" name="Picture 4"/>
           <p:cNvPicPr>
             <a:picLocks noChangeAspect="1"/>
           </p:cNvPicPr>
@@ -12780,80 +13182,8 @@
         </p:blipFill>
         <p:spPr>
           <a:xfrm>
-            <a:off x="3344747" y="3500224"/>
-            <a:ext cx="3775514" cy="3292859"/>
-          </a:xfrm>
-          <a:prstGeom prst="rect">
-            <a:avLst/>
-          </a:prstGeom>
-        </p:spPr>
-      </p:pic>
-      <p:pic>
-        <p:nvPicPr>
-          <p:cNvPr id="11" name="Picture 10">
-            <a:extLst>
-              <a:ext uri="{FF2B5EF4-FFF2-40B4-BE49-F238E27FC236}">
-                <a16:creationId xmlns="" xmlns:a16="http://schemas.microsoft.com/office/drawing/2014/main" id="{E4BE1FC0-81A9-944A-8983-15022CC05C38}"/>
-              </a:ext>
-            </a:extLst>
-          </p:cNvPr>
-          <p:cNvPicPr>
-            <a:picLocks noChangeAspect="1"/>
-          </p:cNvPicPr>
-          <p:nvPr/>
-        </p:nvPicPr>
-        <p:blipFill>
-          <a:blip r:embed="rId4">
-            <a:extLst>
-              <a:ext uri="{28A0092B-C50C-407E-A947-70E740481C1C}">
-                <a14:useLocalDpi xmlns:a14="http://schemas.microsoft.com/office/drawing/2010/main" val="0"/>
-              </a:ext>
-            </a:extLst>
-          </a:blip>
-          <a:stretch>
-            <a:fillRect/>
-          </a:stretch>
-        </p:blipFill>
-        <p:spPr>
-          <a:xfrm>
-            <a:off x="7332006" y="767947"/>
-            <a:ext cx="4054862" cy="2702821"/>
-          </a:xfrm>
-          <a:prstGeom prst="rect">
-            <a:avLst/>
-          </a:prstGeom>
-        </p:spPr>
-      </p:pic>
-      <p:pic>
-        <p:nvPicPr>
-          <p:cNvPr id="14" name="Picture 13">
-            <a:extLst>
-              <a:ext uri="{FF2B5EF4-FFF2-40B4-BE49-F238E27FC236}">
-                <a16:creationId xmlns="" xmlns:a16="http://schemas.microsoft.com/office/drawing/2014/main" id="{C4F0C83D-4C0D-784C-A2D6-51CE10AEFE91}"/>
-              </a:ext>
-            </a:extLst>
-          </p:cNvPr>
-          <p:cNvPicPr>
-            <a:picLocks noChangeAspect="1"/>
-          </p:cNvPicPr>
-          <p:nvPr/>
-        </p:nvPicPr>
-        <p:blipFill>
-          <a:blip r:embed="rId5">
-            <a:extLst>
-              <a:ext uri="{28A0092B-C50C-407E-A947-70E740481C1C}">
-                <a14:useLocalDpi xmlns:a14="http://schemas.microsoft.com/office/drawing/2010/main" val="0"/>
-              </a:ext>
-            </a:extLst>
-          </a:blip>
-          <a:stretch>
-            <a:fillRect/>
-          </a:stretch>
-        </p:blipFill>
-        <p:spPr>
-          <a:xfrm>
-            <a:off x="3053750" y="767948"/>
-            <a:ext cx="4066511" cy="2732276"/>
+            <a:off x="6177642" y="2024743"/>
+            <a:ext cx="5803900" cy="2705100"/>
           </a:xfrm>
           <a:prstGeom prst="rect">
             <a:avLst/>
@@ -12863,7 +13193,7 @@
     </p:spTree>
     <p:extLst>
       <p:ext uri="{BB962C8B-B14F-4D97-AF65-F5344CB8AC3E}">
-        <p14:creationId xmlns:p14="http://schemas.microsoft.com/office/powerpoint/2010/main" val="2462464545"/>
+        <p14:creationId xmlns:p14="http://schemas.microsoft.com/office/powerpoint/2010/main" val="926815619"/>
       </p:ext>
     </p:extLst>
   </p:cSld>

--- a/Demographic Correlations in Consumer Behavior v2.pptx
+++ b/Demographic Correlations in Consumer Behavior v2.pptx
@@ -5,26 +5,28 @@
     <p:sldMasterId id="2147483708" r:id="rId1"/>
   </p:sldMasterIdLst>
   <p:notesMasterIdLst>
-    <p:notesMasterId r:id="rId19"/>
+    <p:notesMasterId r:id="rId21"/>
   </p:notesMasterIdLst>
   <p:sldIdLst>
     <p:sldId id="256" r:id="rId2"/>
     <p:sldId id="257" r:id="rId3"/>
     <p:sldId id="261" r:id="rId4"/>
-    <p:sldId id="258" r:id="rId5"/>
-    <p:sldId id="270" r:id="rId6"/>
-    <p:sldId id="259" r:id="rId7"/>
-    <p:sldId id="260" r:id="rId8"/>
-    <p:sldId id="265" r:id="rId9"/>
-    <p:sldId id="271" r:id="rId10"/>
-    <p:sldId id="263" r:id="rId11"/>
-    <p:sldId id="272" r:id="rId12"/>
-    <p:sldId id="262" r:id="rId13"/>
-    <p:sldId id="264" r:id="rId14"/>
-    <p:sldId id="266" r:id="rId15"/>
-    <p:sldId id="268" r:id="rId16"/>
-    <p:sldId id="267" r:id="rId17"/>
-    <p:sldId id="269" r:id="rId18"/>
+    <p:sldId id="273" r:id="rId5"/>
+    <p:sldId id="258" r:id="rId6"/>
+    <p:sldId id="270" r:id="rId7"/>
+    <p:sldId id="274" r:id="rId8"/>
+    <p:sldId id="259" r:id="rId9"/>
+    <p:sldId id="260" r:id="rId10"/>
+    <p:sldId id="265" r:id="rId11"/>
+    <p:sldId id="271" r:id="rId12"/>
+    <p:sldId id="263" r:id="rId13"/>
+    <p:sldId id="272" r:id="rId14"/>
+    <p:sldId id="262" r:id="rId15"/>
+    <p:sldId id="264" r:id="rId16"/>
+    <p:sldId id="266" r:id="rId17"/>
+    <p:sldId id="268" r:id="rId18"/>
+    <p:sldId id="267" r:id="rId19"/>
+    <p:sldId id="269" r:id="rId20"/>
   </p:sldIdLst>
   <p:sldSz cx="12192000" cy="6858000"/>
   <p:notesSz cx="6858000" cy="9144000"/>
@@ -595,7 +597,7 @@
           <a:p>
             <a:fld id="{1A9F2185-E8AF-3942-B433-FC73E0042EC2}" type="slidenum">
               <a:rPr lang="en-US" smtClean="0"/>
-              <a:t>11</a:t>
+              <a:t>13</a:t>
             </a:fld>
             <a:endParaRPr lang="en-US"/>
           </a:p>
@@ -728,7 +730,7 @@
           <a:p>
             <a:fld id="{1A9F2185-E8AF-3942-B433-FC73E0042EC2}" type="slidenum">
               <a:rPr lang="en-US" smtClean="0"/>
-              <a:t>12</a:t>
+              <a:t>14</a:t>
             </a:fld>
             <a:endParaRPr lang="en-US"/>
           </a:p>
@@ -7325,6 +7327,270 @@
           <p:cNvPr id="2" name="Title 1">
             <a:extLst>
               <a:ext uri="{FF2B5EF4-FFF2-40B4-BE49-F238E27FC236}">
+                <a16:creationId xmlns:a16="http://schemas.microsoft.com/office/drawing/2014/main" xmlns="" id="{A963DD68-D09D-4BBF-A7F4-21FB142DB43A}"/>
+              </a:ext>
+            </a:extLst>
+          </p:cNvPr>
+          <p:cNvSpPr>
+            <a:spLocks noGrp="1"/>
+          </p:cNvSpPr>
+          <p:nvPr>
+            <p:ph type="title"/>
+          </p:nvPr>
+        </p:nvSpPr>
+        <p:spPr>
+          <a:xfrm>
+            <a:off x="1425239" y="-241300"/>
+            <a:ext cx="10018713" cy="1752599"/>
+          </a:xfrm>
+        </p:spPr>
+        <p:txBody>
+          <a:bodyPr/>
+          <a:lstStyle/>
+          <a:p>
+            <a:r>
+              <a:rPr lang="en-US" dirty="0">
+                <a:latin typeface="Century Gothic" panose="020B0502020202020204" pitchFamily="34" charset="0"/>
+              </a:rPr>
+              <a:t>Population</a:t>
+            </a:r>
+          </a:p>
+        </p:txBody>
+      </p:sp>
+      <p:pic>
+        <p:nvPicPr>
+          <p:cNvPr id="7" name="Picture 6" descr="A screenshot of a cell phone&#10;&#10;Description generated with very high confidence">
+            <a:extLst>
+              <a:ext uri="{FF2B5EF4-FFF2-40B4-BE49-F238E27FC236}">
+                <a16:creationId xmlns:a16="http://schemas.microsoft.com/office/drawing/2014/main" xmlns="" id="{9359C768-6D82-4D02-9418-70CCC34CFC85}"/>
+              </a:ext>
+            </a:extLst>
+          </p:cNvPr>
+          <p:cNvPicPr>
+            <a:picLocks noChangeAspect="1"/>
+          </p:cNvPicPr>
+          <p:nvPr/>
+        </p:nvPicPr>
+        <p:blipFill>
+          <a:blip r:embed="rId2">
+            <a:extLst>
+              <a:ext uri="{28A0092B-C50C-407E-A947-70E740481C1C}">
+                <a14:useLocalDpi xmlns:a14="http://schemas.microsoft.com/office/drawing/2010/main" val="0"/>
+              </a:ext>
+            </a:extLst>
+          </a:blip>
+          <a:stretch>
+            <a:fillRect/>
+          </a:stretch>
+        </p:blipFill>
+        <p:spPr>
+          <a:xfrm>
+            <a:off x="481047" y="1511299"/>
+            <a:ext cx="4290825" cy="4290825"/>
+          </a:xfrm>
+          <a:prstGeom prst="rect">
+            <a:avLst/>
+          </a:prstGeom>
+          <a:ln>
+            <a:noFill/>
+          </a:ln>
+          <a:effectLst>
+            <a:outerShdw blurRad="292100" dist="139700" dir="2700000" algn="tl" rotWithShape="0">
+              <a:srgbClr val="333333">
+                <a:alpha val="65000"/>
+              </a:srgbClr>
+            </a:outerShdw>
+          </a:effectLst>
+        </p:spPr>
+      </p:pic>
+      <p:pic>
+        <p:nvPicPr>
+          <p:cNvPr id="3" name="Picture 2"/>
+          <p:cNvPicPr>
+            <a:picLocks noChangeAspect="1"/>
+          </p:cNvPicPr>
+          <p:nvPr/>
+        </p:nvPicPr>
+        <p:blipFill>
+          <a:blip r:embed="rId3">
+            <a:extLst>
+              <a:ext uri="{28A0092B-C50C-407E-A947-70E740481C1C}">
+                <a14:useLocalDpi xmlns:a14="http://schemas.microsoft.com/office/drawing/2010/main" val="0"/>
+              </a:ext>
+            </a:extLst>
+          </a:blip>
+          <a:stretch>
+            <a:fillRect/>
+          </a:stretch>
+        </p:blipFill>
+        <p:spPr>
+          <a:xfrm>
+            <a:off x="5364712" y="1511299"/>
+            <a:ext cx="5486400" cy="3657600"/>
+          </a:xfrm>
+          <a:prstGeom prst="rect">
+            <a:avLst/>
+          </a:prstGeom>
+        </p:spPr>
+      </p:pic>
+    </p:spTree>
+    <p:extLst>
+      <p:ext uri="{BB962C8B-B14F-4D97-AF65-F5344CB8AC3E}">
+        <p14:creationId xmlns:p14="http://schemas.microsoft.com/office/powerpoint/2010/main" val="2582316527"/>
+      </p:ext>
+    </p:extLst>
+  </p:cSld>
+  <p:clrMapOvr>
+    <a:masterClrMapping/>
+  </p:clrMapOvr>
+</p:sld>
+</file>
+
+<file path=ppt/slides/slide11.xml><?xml version="1.0" encoding="utf-8"?>
+<p:sld xmlns:a="http://schemas.openxmlformats.org/drawingml/2006/main" xmlns:r="http://schemas.openxmlformats.org/officeDocument/2006/relationships" xmlns:p="http://schemas.openxmlformats.org/presentationml/2006/main">
+  <p:cSld>
+    <p:spTree>
+      <p:nvGrpSpPr>
+        <p:cNvPr id="1" name=""/>
+        <p:cNvGrpSpPr/>
+        <p:nvPr/>
+      </p:nvGrpSpPr>
+      <p:grpSpPr>
+        <a:xfrm>
+          <a:off x="0" y="0"/>
+          <a:ext cx="0" cy="0"/>
+          <a:chOff x="0" y="0"/>
+          <a:chExt cx="0" cy="0"/>
+        </a:xfrm>
+      </p:grpSpPr>
+      <p:sp>
+        <p:nvSpPr>
+          <p:cNvPr id="2" name="Title 1">
+            <a:extLst>
+              <a:ext uri="{FF2B5EF4-FFF2-40B4-BE49-F238E27FC236}">
+                <a16:creationId xmlns:a16="http://schemas.microsoft.com/office/drawing/2014/main" xmlns="" id="{EFCE46B2-DE65-4A6A-B6D3-62E94E56C710}"/>
+              </a:ext>
+            </a:extLst>
+          </p:cNvPr>
+          <p:cNvSpPr>
+            <a:spLocks noGrp="1"/>
+          </p:cNvSpPr>
+          <p:nvPr>
+            <p:ph type="title"/>
+          </p:nvPr>
+        </p:nvSpPr>
+        <p:spPr>
+          <a:xfrm>
+            <a:off x="1418544" y="0"/>
+            <a:ext cx="10018713" cy="1752599"/>
+          </a:xfrm>
+        </p:spPr>
+        <p:txBody>
+          <a:bodyPr/>
+          <a:lstStyle/>
+          <a:p>
+            <a:r>
+              <a:rPr lang="en-US" smtClean="0"/>
+              <a:t>Ethnicity of Yelp Users</a:t>
+            </a:r>
+            <a:endParaRPr lang="en-US" dirty="0"/>
+          </a:p>
+        </p:txBody>
+      </p:sp>
+      <p:pic>
+        <p:nvPicPr>
+          <p:cNvPr id="3" name="Picture 2"/>
+          <p:cNvPicPr>
+            <a:picLocks noChangeAspect="1"/>
+          </p:cNvPicPr>
+          <p:nvPr/>
+        </p:nvPicPr>
+        <p:blipFill rotWithShape="1">
+          <a:blip r:embed="rId2">
+            <a:extLst>
+              <a:ext uri="{28A0092B-C50C-407E-A947-70E740481C1C}">
+                <a14:useLocalDpi xmlns:a14="http://schemas.microsoft.com/office/drawing/2010/main" val="0"/>
+              </a:ext>
+            </a:extLst>
+          </a:blip>
+          <a:srcRect t="6938" b="5766"/>
+          <a:stretch/>
+        </p:blipFill>
+        <p:spPr>
+          <a:xfrm>
+            <a:off x="201385" y="2024743"/>
+            <a:ext cx="5867400" cy="2705100"/>
+          </a:xfrm>
+          <a:prstGeom prst="rect">
+            <a:avLst/>
+          </a:prstGeom>
+        </p:spPr>
+      </p:pic>
+      <p:pic>
+        <p:nvPicPr>
+          <p:cNvPr id="5" name="Picture 4"/>
+          <p:cNvPicPr>
+            <a:picLocks noChangeAspect="1"/>
+          </p:cNvPicPr>
+          <p:nvPr/>
+        </p:nvPicPr>
+        <p:blipFill>
+          <a:blip r:embed="rId3">
+            <a:extLst>
+              <a:ext uri="{28A0092B-C50C-407E-A947-70E740481C1C}">
+                <a14:useLocalDpi xmlns:a14="http://schemas.microsoft.com/office/drawing/2010/main" val="0"/>
+              </a:ext>
+            </a:extLst>
+          </a:blip>
+          <a:stretch>
+            <a:fillRect/>
+          </a:stretch>
+        </p:blipFill>
+        <p:spPr>
+          <a:xfrm>
+            <a:off x="6177642" y="2024743"/>
+            <a:ext cx="5803900" cy="2705100"/>
+          </a:xfrm>
+          <a:prstGeom prst="rect">
+            <a:avLst/>
+          </a:prstGeom>
+        </p:spPr>
+      </p:pic>
+    </p:spTree>
+    <p:extLst>
+      <p:ext uri="{BB962C8B-B14F-4D97-AF65-F5344CB8AC3E}">
+        <p14:creationId xmlns:p14="http://schemas.microsoft.com/office/powerpoint/2010/main" val="926815619"/>
+      </p:ext>
+    </p:extLst>
+  </p:cSld>
+  <p:clrMapOvr>
+    <a:masterClrMapping/>
+  </p:clrMapOvr>
+</p:sld>
+</file>
+
+<file path=ppt/slides/slide12.xml><?xml version="1.0" encoding="utf-8"?>
+<p:sld xmlns:a="http://schemas.openxmlformats.org/drawingml/2006/main" xmlns:r="http://schemas.openxmlformats.org/officeDocument/2006/relationships" xmlns:p="http://schemas.openxmlformats.org/presentationml/2006/main">
+  <p:cSld>
+    <p:spTree>
+      <p:nvGrpSpPr>
+        <p:cNvPr id="1" name=""/>
+        <p:cNvGrpSpPr/>
+        <p:nvPr/>
+      </p:nvGrpSpPr>
+      <p:grpSpPr>
+        <a:xfrm>
+          <a:off x="0" y="0"/>
+          <a:ext cx="0" cy="0"/>
+          <a:chOff x="0" y="0"/>
+          <a:chExt cx="0" cy="0"/>
+        </a:xfrm>
+      </p:grpSpPr>
+      <p:sp>
+        <p:nvSpPr>
+          <p:cNvPr id="2" name="Title 1">
+            <a:extLst>
+              <a:ext uri="{FF2B5EF4-FFF2-40B4-BE49-F238E27FC236}">
                 <a16:creationId xmlns:a16="http://schemas.microsoft.com/office/drawing/2014/main" xmlns="" id="{EFCE46B2-DE65-4A6A-B6D3-62E94E56C710}"/>
               </a:ext>
             </a:extLst>
@@ -7510,7 +7776,7 @@
 </p:sld>
 </file>
 
-<file path=ppt/slides/slide11.xml><?xml version="1.0" encoding="utf-8"?>
+<file path=ppt/slides/slide13.xml><?xml version="1.0" encoding="utf-8"?>
 <p:sld xmlns:a="http://schemas.openxmlformats.org/drawingml/2006/main" xmlns:r="http://schemas.openxmlformats.org/officeDocument/2006/relationships" xmlns:p="http://schemas.openxmlformats.org/presentationml/2006/main">
   <p:cSld>
     <p:spTree>
@@ -7607,7 +7873,7 @@
 </p:sld>
 </file>
 
-<file path=ppt/slides/slide12.xml><?xml version="1.0" encoding="utf-8"?>
+<file path=ppt/slides/slide14.xml><?xml version="1.0" encoding="utf-8"?>
 <p:sld xmlns:a="http://schemas.openxmlformats.org/drawingml/2006/main" xmlns:r="http://schemas.openxmlformats.org/officeDocument/2006/relationships" xmlns:p="http://schemas.openxmlformats.org/presentationml/2006/main">
   <p:cSld>
     <p:spTree>
@@ -7754,7 +8020,7 @@
 </p:sld>
 </file>
 
-<file path=ppt/slides/slide13.xml><?xml version="1.0" encoding="utf-8"?>
+<file path=ppt/slides/slide15.xml><?xml version="1.0" encoding="utf-8"?>
 <p:sld xmlns:a="http://schemas.openxmlformats.org/drawingml/2006/main" xmlns:r="http://schemas.openxmlformats.org/officeDocument/2006/relationships" xmlns:p="http://schemas.openxmlformats.org/presentationml/2006/main">
   <p:cSld>
     <p:spTree>
@@ -7996,7 +8262,7 @@
 </p:sld>
 </file>
 
-<file path=ppt/slides/slide14.xml><?xml version="1.0" encoding="utf-8"?>
+<file path=ppt/slides/slide16.xml><?xml version="1.0" encoding="utf-8"?>
 <p:sld xmlns:a="http://schemas.openxmlformats.org/drawingml/2006/main" xmlns:r="http://schemas.openxmlformats.org/officeDocument/2006/relationships" xmlns:p="http://schemas.openxmlformats.org/presentationml/2006/main">
   <p:cSld>
     <p:spTree>
@@ -8237,7 +8503,7 @@
 </p:sld>
 </file>
 
-<file path=ppt/slides/slide15.xml><?xml version="1.0" encoding="utf-8"?>
+<file path=ppt/slides/slide17.xml><?xml version="1.0" encoding="utf-8"?>
 <p:sld xmlns:a="http://schemas.openxmlformats.org/drawingml/2006/main" xmlns:r="http://schemas.openxmlformats.org/officeDocument/2006/relationships" xmlns:p="http://schemas.openxmlformats.org/presentationml/2006/main">
   <p:cSld>
     <p:spTree>
@@ -8410,7 +8676,7 @@
 </p:sld>
 </file>
 
-<file path=ppt/slides/slide16.xml><?xml version="1.0" encoding="utf-8"?>
+<file path=ppt/slides/slide18.xml><?xml version="1.0" encoding="utf-8"?>
 <p:sld xmlns:a="http://schemas.openxmlformats.org/drawingml/2006/main" xmlns:r="http://schemas.openxmlformats.org/officeDocument/2006/relationships" xmlns:p="http://schemas.openxmlformats.org/presentationml/2006/main">
   <p:cSld>
     <p:bg>
@@ -10432,7 +10698,7 @@
 </p:sld>
 </file>
 
-<file path=ppt/slides/slide17.xml><?xml version="1.0" encoding="utf-8"?>
+<file path=ppt/slides/slide19.xml><?xml version="1.0" encoding="utf-8"?>
 <p:sld xmlns:a="http://schemas.openxmlformats.org/drawingml/2006/main" xmlns:r="http://schemas.openxmlformats.org/officeDocument/2006/relationships" xmlns:p="http://schemas.openxmlformats.org/presentationml/2006/main">
   <p:cSld>
     <p:bg>
@@ -12281,7 +12547,7 @@
           <p:cNvPr id="2" name="Title 1">
             <a:extLst>
               <a:ext uri="{FF2B5EF4-FFF2-40B4-BE49-F238E27FC236}">
-                <a16:creationId xmlns:a16="http://schemas.microsoft.com/office/drawing/2014/main" xmlns="" id="{3E12B35A-48CB-485A-9558-03004C38AE8C}"/>
+                <a16:creationId xmlns:a16="http://schemas.microsoft.com/office/drawing/2014/main" xmlns="" id="{6A89ED34-EDAF-4F6A-89F2-60A19D6C3973}"/>
               </a:ext>
             </a:extLst>
           </p:cNvPr>
@@ -12292,122 +12558,172 @@
             <p:ph type="title"/>
           </p:nvPr>
         </p:nvSpPr>
-        <p:spPr/>
+        <p:spPr>
+          <a:xfrm>
+            <a:off x="1484311" y="685800"/>
+            <a:ext cx="10018713" cy="1752599"/>
+          </a:xfrm>
+        </p:spPr>
         <p:txBody>
           <a:bodyPr/>
           <a:lstStyle/>
           <a:p>
+            <a:r>
+              <a:rPr lang="en-US" dirty="0" smtClean="0">
+                <a:latin typeface="Century Gothic" panose="020B0502020202020204" pitchFamily="34" charset="0"/>
+              </a:rPr>
+              <a:t>Main Question</a:t>
+            </a:r>
+            <a:endParaRPr lang="en-US" dirty="0">
+              <a:latin typeface="Century Gothic" panose="020B0502020202020204" pitchFamily="34" charset="0"/>
+            </a:endParaRPr>
+          </a:p>
+        </p:txBody>
+      </p:sp>
+      <p:sp>
+        <p:nvSpPr>
+          <p:cNvPr id="3" name="Content Placeholder 2">
+            <a:extLst>
+              <a:ext uri="{FF2B5EF4-FFF2-40B4-BE49-F238E27FC236}">
+                <a16:creationId xmlns:a16="http://schemas.microsoft.com/office/drawing/2014/main" xmlns="" id="{97CC6E24-E4E6-4A1A-92FF-49CB85C784A4}"/>
+              </a:ext>
+            </a:extLst>
+          </p:cNvPr>
+          <p:cNvSpPr>
+            <a:spLocks noGrp="1"/>
+          </p:cNvSpPr>
+          <p:nvPr>
+            <p:ph idx="1"/>
+          </p:nvPr>
+        </p:nvSpPr>
+        <p:spPr/>
+        <p:txBody>
+          <a:bodyPr>
+            <a:normAutofit fontScale="92500" lnSpcReduction="10000"/>
+          </a:bodyPr>
+          <a:lstStyle/>
+          <a:p>
+            <a:pPr marL="0" indent="0">
+              <a:buNone/>
+            </a:pPr>
             <a:r>
               <a:rPr lang="en-US" dirty="0">
                 <a:latin typeface="Century Gothic" panose="020B0502020202020204" pitchFamily="34" charset="0"/>
               </a:rPr>
-              <a:t>Methods</a:t>
-            </a:r>
-          </a:p>
-        </p:txBody>
-      </p:sp>
-      <p:sp>
-        <p:nvSpPr>
-          <p:cNvPr id="3" name="Content Placeholder 2">
-            <a:extLst>
-              <a:ext uri="{FF2B5EF4-FFF2-40B4-BE49-F238E27FC236}">
-                <a16:creationId xmlns:a16="http://schemas.microsoft.com/office/drawing/2014/main" xmlns="" id="{B504E32B-0C43-4ADB-83F3-C4FD2C5E5F29}"/>
-              </a:ext>
-            </a:extLst>
-          </p:cNvPr>
-          <p:cNvSpPr>
-            <a:spLocks noGrp="1"/>
-          </p:cNvSpPr>
-          <p:nvPr>
-            <p:ph idx="1"/>
-          </p:nvPr>
-        </p:nvSpPr>
-        <p:spPr/>
-        <p:txBody>
-          <a:bodyPr/>
-          <a:lstStyle/>
-          <a:p>
-            <a:pPr marL="0" indent="0">
-              <a:buNone/>
-            </a:pPr>
-            <a:r>
-              <a:rPr lang="en-US" sz="3200" dirty="0">
+              <a:t>Main Question:  How does median household income per capita affect the count of Yelp reviews and the subsequent ratings               Do </a:t>
+            </a:r>
+            <a:r>
+              <a:rPr lang="en-US" dirty="0" smtClean="0">
                 <a:latin typeface="Century Gothic" panose="020B0502020202020204" pitchFamily="34" charset="0"/>
               </a:rPr>
-              <a:t>Which data?</a:t>
-            </a:r>
+              <a:t>restaurants </a:t>
+            </a:r>
+            <a:r>
+              <a:rPr lang="en-US" dirty="0">
+                <a:latin typeface="Century Gothic" panose="020B0502020202020204" pitchFamily="34" charset="0"/>
+              </a:rPr>
+              <a:t>in zip codes where the per capita income is higher have higher rankings as well?              </a:t>
+            </a:r>
+            <a:endParaRPr lang="en-US" dirty="0" smtClean="0">
+              <a:latin typeface="Century Gothic" panose="020B0502020202020204" pitchFamily="34" charset="0"/>
+            </a:endParaRPr>
           </a:p>
           <a:p>
             <a:pPr>
-              <a:buFont typeface="Wingdings" panose="05000000000000000000" pitchFamily="2" charset="2"/>
+              <a:buFont typeface="Wingdings" charset="2"/>
               <a:buChar char="q"/>
             </a:pPr>
             <a:r>
-              <a:rPr lang="en-US" sz="2000" dirty="0">
+              <a:rPr lang="en-US" dirty="0" smtClean="0">
                 <a:latin typeface="Century Gothic" panose="020B0502020202020204" pitchFamily="34" charset="0"/>
               </a:rPr>
-              <a:t>Yelp Data API</a:t>
+              <a:t> </a:t>
+            </a:r>
+            <a:r>
+              <a:rPr lang="en-US" dirty="0">
+                <a:latin typeface="Century Gothic" panose="020B0502020202020204" pitchFamily="34" charset="0"/>
+              </a:rPr>
+              <a:t>How do population </a:t>
+            </a:r>
+            <a:r>
+              <a:rPr lang="en-US" dirty="0" smtClean="0">
+                <a:latin typeface="Century Gothic" panose="020B0502020202020204" pitchFamily="34" charset="0"/>
+              </a:rPr>
+              <a:t>demographics </a:t>
+            </a:r>
+            <a:r>
+              <a:rPr lang="en-US" dirty="0">
+                <a:latin typeface="Century Gothic" panose="020B0502020202020204" pitchFamily="34" charset="0"/>
+              </a:rPr>
+              <a:t>affect Yelp review count and ratings</a:t>
+            </a:r>
+            <a:r>
+              <a:rPr lang="en-US" dirty="0" smtClean="0">
+                <a:latin typeface="Century Gothic" panose="020B0502020202020204" pitchFamily="34" charset="0"/>
+              </a:rPr>
+              <a:t>?</a:t>
             </a:r>
           </a:p>
           <a:p>
             <a:pPr>
-              <a:buFont typeface="Wingdings" panose="05000000000000000000" pitchFamily="2" charset="2"/>
+              <a:buFont typeface="Wingdings" charset="2"/>
               <a:buChar char="q"/>
             </a:pPr>
             <a:r>
-              <a:rPr lang="en-US" sz="2000" dirty="0">
+              <a:rPr lang="en-US" dirty="0" smtClean="0">
                 <a:latin typeface="Century Gothic" panose="020B0502020202020204" pitchFamily="34" charset="0"/>
               </a:rPr>
-              <a:t>Census Data API</a:t>
+              <a:t> Is </a:t>
+            </a:r>
+            <a:r>
+              <a:rPr lang="en-US" dirty="0">
+                <a:latin typeface="Century Gothic" panose="020B0502020202020204" pitchFamily="34" charset="0"/>
+              </a:rPr>
+              <a:t>there a </a:t>
+            </a:r>
+            <a:r>
+              <a:rPr lang="en-US" dirty="0" smtClean="0">
+                <a:latin typeface="Century Gothic" panose="020B0502020202020204" pitchFamily="34" charset="0"/>
+              </a:rPr>
+              <a:t>difference </a:t>
+            </a:r>
+            <a:r>
+              <a:rPr lang="en-US" dirty="0">
+                <a:latin typeface="Century Gothic" panose="020B0502020202020204" pitchFamily="34" charset="0"/>
+              </a:rPr>
+              <a:t>in review patterns by race</a:t>
+            </a:r>
+            <a:r>
+              <a:rPr lang="en-US" dirty="0" smtClean="0">
+                <a:latin typeface="Century Gothic" panose="020B0502020202020204" pitchFamily="34" charset="0"/>
+              </a:rPr>
+              <a:t>?</a:t>
             </a:r>
           </a:p>
           <a:p>
             <a:pPr>
-              <a:buFont typeface="Wingdings" panose="05000000000000000000" pitchFamily="2" charset="2"/>
+              <a:buFont typeface="Wingdings" charset="2"/>
               <a:buChar char="q"/>
             </a:pPr>
             <a:r>
-              <a:rPr lang="en-US" sz="2000" dirty="0">
+              <a:rPr lang="en-US" dirty="0" smtClean="0">
                 <a:latin typeface="Century Gothic" panose="020B0502020202020204" pitchFamily="34" charset="0"/>
               </a:rPr>
-              <a:t>Data Analysis (Available Metrics)</a:t>
-            </a:r>
-          </a:p>
-          <a:p>
-            <a:pPr>
-              <a:buFont typeface="Wingdings" panose="05000000000000000000" pitchFamily="2" charset="2"/>
-              <a:buChar char="q"/>
-            </a:pPr>
-            <a:r>
-              <a:rPr lang="en-US" sz="2000" dirty="0">
+              <a:t> </a:t>
+            </a:r>
+            <a:r>
+              <a:rPr lang="en-US" dirty="0">
                 <a:latin typeface="Century Gothic" panose="020B0502020202020204" pitchFamily="34" charset="0"/>
               </a:rPr>
-              <a:t>Pandas for Data Processing</a:t>
-            </a:r>
-          </a:p>
-          <a:p>
-            <a:pPr>
-              <a:buFont typeface="Wingdings" panose="05000000000000000000" pitchFamily="2" charset="2"/>
-              <a:buChar char="q"/>
-            </a:pPr>
-            <a:r>
-              <a:rPr lang="en-US" sz="2000" dirty="0">
-                <a:latin typeface="Century Gothic" panose="020B0502020202020204" pitchFamily="34" charset="0"/>
-              </a:rPr>
-              <a:t>Seaborn and Matplotlib for Data Visualization</a:t>
-            </a:r>
-          </a:p>
-          <a:p>
-            <a:endParaRPr lang="en-US" dirty="0">
-              <a:latin typeface="Century Gothic" panose="020B0502020202020204" pitchFamily="34" charset="0"/>
-            </a:endParaRPr>
+              <a:t>By age?</a:t>
+            </a:r>
           </a:p>
         </p:txBody>
       </p:sp>
     </p:spTree>
     <p:extLst>
       <p:ext uri="{BB962C8B-B14F-4D97-AF65-F5344CB8AC3E}">
-        <p14:creationId xmlns:p14="http://schemas.microsoft.com/office/powerpoint/2010/main" val="2543841871"/>
+        <p14:creationId xmlns:p14="http://schemas.microsoft.com/office/powerpoint/2010/main" val="2086452601"/>
       </p:ext>
     </p:extLst>
   </p:cSld>
@@ -12456,14 +12772,11 @@
           <a:lstStyle/>
           <a:p>
             <a:r>
-              <a:rPr lang="en-US" dirty="0" smtClean="0">
+              <a:rPr lang="en-US" dirty="0">
                 <a:latin typeface="Century Gothic" panose="020B0502020202020204" pitchFamily="34" charset="0"/>
               </a:rPr>
-              <a:t>Code Challenges</a:t>
-            </a:r>
-            <a:endParaRPr lang="en-US" dirty="0">
-              <a:latin typeface="Century Gothic" panose="020B0502020202020204" pitchFamily="34" charset="0"/>
-            </a:endParaRPr>
+              <a:t>Methods</a:t>
+            </a:r>
           </a:p>
         </p:txBody>
       </p:sp>
@@ -12492,14 +12805,11 @@
               <a:buNone/>
             </a:pPr>
             <a:r>
-              <a:rPr lang="en-US" sz="3200" dirty="0" smtClean="0">
+              <a:rPr lang="en-US" sz="3200" dirty="0">
                 <a:latin typeface="Century Gothic" panose="020B0502020202020204" pitchFamily="34" charset="0"/>
               </a:rPr>
-              <a:t>What went wrong?</a:t>
-            </a:r>
-            <a:endParaRPr lang="en-US" sz="3200" dirty="0">
-              <a:latin typeface="Century Gothic" panose="020B0502020202020204" pitchFamily="34" charset="0"/>
-            </a:endParaRPr>
+              <a:t>Which data?</a:t>
+            </a:r>
           </a:p>
           <a:p>
             <a:pPr>
@@ -12507,14 +12817,11 @@
               <a:buChar char="q"/>
             </a:pPr>
             <a:r>
-              <a:rPr lang="en-US" sz="2000" dirty="0" smtClean="0">
+              <a:rPr lang="en-US" sz="2000" dirty="0">
                 <a:latin typeface="Century Gothic" panose="020B0502020202020204" pitchFamily="34" charset="0"/>
               </a:rPr>
-              <a:t>Large data set so API requests took longer to run</a:t>
-            </a:r>
-            <a:endParaRPr lang="en-US" sz="2000" dirty="0">
-              <a:latin typeface="Century Gothic" panose="020B0502020202020204" pitchFamily="34" charset="0"/>
-            </a:endParaRPr>
+              <a:t>Yelp Data API</a:t>
+            </a:r>
           </a:p>
           <a:p>
             <a:pPr>
@@ -12522,10 +12829,10 @@
               <a:buChar char="q"/>
             </a:pPr>
             <a:r>
-              <a:rPr lang="en-US" sz="2000" dirty="0" smtClean="0">
+              <a:rPr lang="en-US" sz="2000" dirty="0">
                 <a:latin typeface="Century Gothic" panose="020B0502020202020204" pitchFamily="34" charset="0"/>
               </a:rPr>
-              <a:t>Were not able to pull price from Yelp API output</a:t>
+              <a:t>Census Data API</a:t>
             </a:r>
           </a:p>
           <a:p>
@@ -12534,18 +12841,47 @@
               <a:buChar char="q"/>
             </a:pPr>
             <a:r>
-              <a:rPr lang="en-US" sz="2000" dirty="0" smtClean="0">
+              <a:rPr lang="en-US" sz="2000" dirty="0">
                 <a:latin typeface="Century Gothic" panose="020B0502020202020204" pitchFamily="34" charset="0"/>
               </a:rPr>
-              <a:t>Too many data points; there were too many zip codes and the data was not conclusive so we restricted it to the top 200 zip codes by population</a:t>
-            </a:r>
+              <a:t>Data Analysis (Available Metrics)</a:t>
+            </a:r>
+          </a:p>
+          <a:p>
+            <a:pPr>
+              <a:buFont typeface="Wingdings" panose="05000000000000000000" pitchFamily="2" charset="2"/>
+              <a:buChar char="q"/>
+            </a:pPr>
+            <a:r>
+              <a:rPr lang="en-US" sz="2000" dirty="0">
+                <a:latin typeface="Century Gothic" panose="020B0502020202020204" pitchFamily="34" charset="0"/>
+              </a:rPr>
+              <a:t>Pandas for Data Processing</a:t>
+            </a:r>
+          </a:p>
+          <a:p>
+            <a:pPr>
+              <a:buFont typeface="Wingdings" panose="05000000000000000000" pitchFamily="2" charset="2"/>
+              <a:buChar char="q"/>
+            </a:pPr>
+            <a:r>
+              <a:rPr lang="en-US" sz="2000" dirty="0">
+                <a:latin typeface="Century Gothic" panose="020B0502020202020204" pitchFamily="34" charset="0"/>
+              </a:rPr>
+              <a:t>Seaborn and Matplotlib for Data Visualization</a:t>
+            </a:r>
+          </a:p>
+          <a:p>
+            <a:endParaRPr lang="en-US" dirty="0">
+              <a:latin typeface="Century Gothic" panose="020B0502020202020204" pitchFamily="34" charset="0"/>
+            </a:endParaRPr>
           </a:p>
         </p:txBody>
       </p:sp>
     </p:spTree>
     <p:extLst>
       <p:ext uri="{BB962C8B-B14F-4D97-AF65-F5344CB8AC3E}">
-        <p14:creationId xmlns:p14="http://schemas.microsoft.com/office/powerpoint/2010/main" val="88950109"/>
+        <p14:creationId xmlns:p14="http://schemas.microsoft.com/office/powerpoint/2010/main" val="2543841871"/>
       </p:ext>
     </p:extLst>
   </p:cSld>
@@ -12577,7 +12913,7 @@
           <p:cNvPr id="2" name="Title 1">
             <a:extLst>
               <a:ext uri="{FF2B5EF4-FFF2-40B4-BE49-F238E27FC236}">
-                <a16:creationId xmlns:a16="http://schemas.microsoft.com/office/drawing/2014/main" xmlns="" id="{6BE8859D-ECEC-4CE4-9EAC-540EF73A147D}"/>
+                <a16:creationId xmlns:a16="http://schemas.microsoft.com/office/drawing/2014/main" xmlns="" id="{3E12B35A-48CB-485A-9558-03004C38AE8C}"/>
               </a:ext>
             </a:extLst>
           </p:cNvPr>
@@ -12594,11 +12930,14 @@
           <a:lstStyle/>
           <a:p>
             <a:r>
-              <a:rPr lang="en-US" dirty="0">
+              <a:rPr lang="en-US" dirty="0" smtClean="0">
                 <a:latin typeface="Century Gothic" panose="020B0502020202020204" pitchFamily="34" charset="0"/>
               </a:rPr>
-              <a:t>Metrics</a:t>
-            </a:r>
+              <a:t>Code Challenges</a:t>
+            </a:r>
+            <a:endParaRPr lang="en-US" dirty="0">
+              <a:latin typeface="Century Gothic" panose="020B0502020202020204" pitchFamily="34" charset="0"/>
+            </a:endParaRPr>
           </a:p>
         </p:txBody>
       </p:sp>
@@ -12607,7 +12946,7 @@
           <p:cNvPr id="3" name="Content Placeholder 2">
             <a:extLst>
               <a:ext uri="{FF2B5EF4-FFF2-40B4-BE49-F238E27FC236}">
-                <a16:creationId xmlns:a16="http://schemas.microsoft.com/office/drawing/2014/main" xmlns="" id="{C5035E2B-F335-4844-8AA4-CB0CDAFE8D63}"/>
+                <a16:creationId xmlns:a16="http://schemas.microsoft.com/office/drawing/2014/main" xmlns="" id="{B504E32B-0C43-4ADB-83F3-C4FD2C5E5F29}"/>
               </a:ext>
             </a:extLst>
           </p:cNvPr>
@@ -12618,27 +12957,23 @@
             <p:ph idx="1"/>
           </p:nvPr>
         </p:nvSpPr>
-        <p:spPr>
-          <a:xfrm>
-            <a:off x="1901560" y="2857501"/>
-            <a:ext cx="10018713" cy="3124201"/>
-          </a:xfrm>
-        </p:spPr>
-        <p:txBody>
-          <a:bodyPr>
-            <a:noAutofit/>
-          </a:bodyPr>
+        <p:spPr/>
+        <p:txBody>
+          <a:bodyPr/>
           <a:lstStyle/>
           <a:p>
             <a:pPr marL="0" indent="0">
               <a:buNone/>
             </a:pPr>
             <a:r>
-              <a:rPr lang="en-US" sz="3200" dirty="0">
+              <a:rPr lang="en-US" sz="3200" dirty="0" smtClean="0">
                 <a:latin typeface="Century Gothic" panose="020B0502020202020204" pitchFamily="34" charset="0"/>
               </a:rPr>
-              <a:t>Yelp Metrics</a:t>
-            </a:r>
+              <a:t>What went wrong?</a:t>
+            </a:r>
+            <a:endParaRPr lang="en-US" sz="3200" dirty="0">
+              <a:latin typeface="Century Gothic" panose="020B0502020202020204" pitchFamily="34" charset="0"/>
+            </a:endParaRPr>
           </a:p>
           <a:p>
             <a:pPr>
@@ -12646,11 +12981,14 @@
               <a:buChar char="q"/>
             </a:pPr>
             <a:r>
-              <a:rPr lang="en-US" sz="2000" dirty="0">
+              <a:rPr lang="en-US" sz="2000" dirty="0" smtClean="0">
                 <a:latin typeface="Century Gothic" panose="020B0502020202020204" pitchFamily="34" charset="0"/>
               </a:rPr>
-              <a:t>Review Ratings</a:t>
-            </a:r>
+              <a:t>Large data set so API requests took longer to run</a:t>
+            </a:r>
+            <a:endParaRPr lang="en-US" sz="2000" dirty="0">
+              <a:latin typeface="Century Gothic" panose="020B0502020202020204" pitchFamily="34" charset="0"/>
+            </a:endParaRPr>
           </a:p>
           <a:p>
             <a:pPr>
@@ -12658,29 +12996,10 @@
               <a:buChar char="q"/>
             </a:pPr>
             <a:r>
-              <a:rPr lang="en-US" sz="2000" dirty="0">
+              <a:rPr lang="en-US" sz="2000" dirty="0" smtClean="0">
                 <a:latin typeface="Century Gothic" panose="020B0502020202020204" pitchFamily="34" charset="0"/>
               </a:rPr>
-              <a:t>Review Quantity</a:t>
-            </a:r>
-          </a:p>
-          <a:p>
-            <a:pPr marL="0" indent="0">
-              <a:buNone/>
-            </a:pPr>
-            <a:endParaRPr lang="en-US" sz="600" dirty="0">
-              <a:latin typeface="Century Gothic" panose="020B0502020202020204" pitchFamily="34" charset="0"/>
-            </a:endParaRPr>
-          </a:p>
-          <a:p>
-            <a:pPr marL="0" indent="0">
-              <a:buNone/>
-            </a:pPr>
-            <a:r>
-              <a:rPr lang="en-US" sz="3200" dirty="0">
-                <a:latin typeface="Century Gothic" panose="020B0502020202020204" pitchFamily="34" charset="0"/>
-              </a:rPr>
-              <a:t>Demographics</a:t>
+              <a:t>Were not able to pull price from Yelp API output</a:t>
             </a:r>
           </a:p>
           <a:p>
@@ -12689,63 +13008,18 @@
               <a:buChar char="q"/>
             </a:pPr>
             <a:r>
-              <a:rPr lang="en-US" sz="2000" dirty="0">
+              <a:rPr lang="en-US" sz="2000" dirty="0" smtClean="0">
                 <a:latin typeface="Century Gothic" panose="020B0502020202020204" pitchFamily="34" charset="0"/>
               </a:rPr>
-              <a:t>Age </a:t>
-            </a:r>
-          </a:p>
-          <a:p>
-            <a:pPr>
-              <a:buFont typeface="Wingdings" panose="05000000000000000000" pitchFamily="2" charset="2"/>
-              <a:buChar char="q"/>
-            </a:pPr>
-            <a:r>
-              <a:rPr lang="en-US" sz="2000" dirty="0">
-                <a:latin typeface="Century Gothic" panose="020B0502020202020204" pitchFamily="34" charset="0"/>
-              </a:rPr>
-              <a:t>Ethnicity </a:t>
-            </a:r>
-          </a:p>
-          <a:p>
-            <a:pPr>
-              <a:buFont typeface="Wingdings" panose="05000000000000000000" pitchFamily="2" charset="2"/>
-              <a:buChar char="q"/>
-            </a:pPr>
-            <a:r>
-              <a:rPr lang="en-US" sz="2000" dirty="0">
-                <a:latin typeface="Century Gothic" panose="020B0502020202020204" pitchFamily="34" charset="0"/>
-              </a:rPr>
-              <a:t>Income</a:t>
-            </a:r>
-          </a:p>
-          <a:p>
-            <a:pPr>
-              <a:buFont typeface="Wingdings" panose="05000000000000000000" pitchFamily="2" charset="2"/>
-              <a:buChar char="q"/>
-            </a:pPr>
-            <a:r>
-              <a:rPr lang="en-US" sz="2000" dirty="0">
-                <a:latin typeface="Century Gothic" panose="020B0502020202020204" pitchFamily="34" charset="0"/>
-              </a:rPr>
-              <a:t>Population</a:t>
-            </a:r>
-          </a:p>
-          <a:p>
-            <a:pPr>
-              <a:buFont typeface="Wingdings" panose="05000000000000000000" pitchFamily="2" charset="2"/>
-              <a:buChar char="q"/>
-            </a:pPr>
-            <a:endParaRPr lang="en-US" sz="2000" dirty="0">
-              <a:latin typeface="Century Gothic" panose="020B0502020202020204" pitchFamily="34" charset="0"/>
-            </a:endParaRPr>
+              <a:t>Too many data points; there were too many zip codes and the data was not conclusive so we restricted it to the top 200 zip codes by population</a:t>
+            </a:r>
           </a:p>
         </p:txBody>
       </p:sp>
     </p:spTree>
     <p:extLst>
       <p:ext uri="{BB962C8B-B14F-4D97-AF65-F5344CB8AC3E}">
-        <p14:creationId xmlns:p14="http://schemas.microsoft.com/office/powerpoint/2010/main" val="2628064748"/>
+        <p14:creationId xmlns:p14="http://schemas.microsoft.com/office/powerpoint/2010/main" val="88950109"/>
       </p:ext>
     </p:extLst>
   </p:cSld>
@@ -12777,7 +13051,7 @@
           <p:cNvPr id="2" name="Title 1">
             <a:extLst>
               <a:ext uri="{FF2B5EF4-FFF2-40B4-BE49-F238E27FC236}">
-                <a16:creationId xmlns:a16="http://schemas.microsoft.com/office/drawing/2014/main" xmlns="" id="{7FA8AF37-0410-4CBB-A859-7A57AB6AC3BE}"/>
+                <a16:creationId xmlns:a16="http://schemas.microsoft.com/office/drawing/2014/main" xmlns="" id="{3E12B35A-48CB-485A-9558-03004C38AE8C}"/>
               </a:ext>
             </a:extLst>
           </p:cNvPr>
@@ -12790,17 +13064,18 @@
         </p:nvSpPr>
         <p:spPr/>
         <p:txBody>
-          <a:bodyPr>
-            <a:normAutofit/>
-          </a:bodyPr>
+          <a:bodyPr/>
           <a:lstStyle/>
           <a:p>
             <a:r>
-              <a:rPr lang="en-US" sz="4000" dirty="0">
+              <a:rPr lang="en-US" dirty="0" smtClean="0">
                 <a:latin typeface="Century Gothic" panose="020B0502020202020204" pitchFamily="34" charset="0"/>
               </a:rPr>
-              <a:t>Are reviews an accurate representation?</a:t>
-            </a:r>
+              <a:t>Code</a:t>
+            </a:r>
+            <a:endParaRPr lang="en-US" dirty="0">
+              <a:latin typeface="Century Gothic" panose="020B0502020202020204" pitchFamily="34" charset="0"/>
+            </a:endParaRPr>
           </a:p>
         </p:txBody>
       </p:sp>
@@ -12809,7 +13084,7 @@
           <p:cNvPr id="3" name="Content Placeholder 2">
             <a:extLst>
               <a:ext uri="{FF2B5EF4-FFF2-40B4-BE49-F238E27FC236}">
-                <a16:creationId xmlns:a16="http://schemas.microsoft.com/office/drawing/2014/main" xmlns="" id="{B8276DC7-BF44-4509-8C54-E0D709044364}"/>
+                <a16:creationId xmlns:a16="http://schemas.microsoft.com/office/drawing/2014/main" xmlns="" id="{B504E32B-0C43-4ADB-83F3-C4FD2C5E5F29}"/>
               </a:ext>
             </a:extLst>
           </p:cNvPr>
@@ -12820,116 +13095,24 @@
             <p:ph idx="1"/>
           </p:nvPr>
         </p:nvSpPr>
-        <p:spPr>
-          <a:xfrm>
-            <a:off x="1555331" y="3926149"/>
-            <a:ext cx="10018713" cy="3124201"/>
-          </a:xfrm>
-        </p:spPr>
-        <p:txBody>
-          <a:bodyPr>
-            <a:normAutofit lnSpcReduction="10000"/>
-          </a:bodyPr>
+        <p:spPr/>
+        <p:txBody>
+          <a:bodyPr/>
           <a:lstStyle/>
           <a:p>
             <a:pPr marL="0" indent="0">
               <a:buNone/>
             </a:pPr>
-            <a:r>
-              <a:rPr lang="en-US" dirty="0">
-                <a:latin typeface="Century Gothic" panose="020B0502020202020204" pitchFamily="34" charset="0"/>
-              </a:rPr>
-              <a:t>Ratings</a:t>
-            </a:r>
-          </a:p>
-          <a:p>
-            <a:pPr>
-              <a:buFont typeface="Wingdings" panose="05000000000000000000" pitchFamily="2" charset="2"/>
-              <a:buChar char="q"/>
-            </a:pPr>
-            <a:r>
-              <a:rPr lang="en-US" dirty="0">
-                <a:latin typeface="Century Gothic" panose="020B0502020202020204" pitchFamily="34" charset="0"/>
-              </a:rPr>
-              <a:t>Do consumers skew towards ratings that are more favorable or unfavorable?</a:t>
-            </a:r>
-          </a:p>
-          <a:p>
-            <a:pPr marL="0" indent="0">
-              <a:buNone/>
-            </a:pPr>
-            <a:endParaRPr lang="en-US" dirty="0">
+            <a:endParaRPr lang="en-US" sz="2000" dirty="0" smtClean="0">
               <a:latin typeface="Century Gothic" panose="020B0502020202020204" pitchFamily="34" charset="0"/>
             </a:endParaRPr>
-          </a:p>
-          <a:p>
-            <a:pPr marL="0" indent="0">
-              <a:buNone/>
-            </a:pPr>
-            <a:r>
-              <a:rPr lang="en-US" dirty="0">
-                <a:latin typeface="Century Gothic" panose="020B0502020202020204" pitchFamily="34" charset="0"/>
-              </a:rPr>
-              <a:t>Demographics:</a:t>
-            </a:r>
-          </a:p>
-          <a:p>
-            <a:pPr>
-              <a:buFont typeface="Wingdings" panose="05000000000000000000" pitchFamily="2" charset="2"/>
-              <a:buChar char="q"/>
-            </a:pPr>
-            <a:r>
-              <a:rPr lang="en-US" dirty="0">
-                <a:latin typeface="Century Gothic" panose="020B0502020202020204" pitchFamily="34" charset="0"/>
-              </a:rPr>
-              <a:t>Do socio-economic factors of an area affect the local business ratings and reviews?</a:t>
-            </a:r>
-          </a:p>
-          <a:p>
-            <a:pPr>
-              <a:buFont typeface="Wingdings" panose="05000000000000000000" pitchFamily="2" charset="2"/>
-              <a:buChar char="q"/>
-            </a:pPr>
-            <a:endParaRPr lang="en-US" dirty="0">
-              <a:latin typeface="Century Gothic" panose="020B0502020202020204" pitchFamily="34" charset="0"/>
-            </a:endParaRPr>
-          </a:p>
-          <a:p>
-            <a:pPr>
-              <a:buFont typeface="Wingdings" panose="05000000000000000000" pitchFamily="2" charset="2"/>
-              <a:buChar char="q"/>
-            </a:pPr>
-            <a:endParaRPr lang="en-US" dirty="0">
-              <a:latin typeface="Century Gothic" panose="020B0502020202020204" pitchFamily="34" charset="0"/>
-            </a:endParaRPr>
-          </a:p>
-          <a:p>
-            <a:pPr>
-              <a:buFont typeface="Wingdings" panose="05000000000000000000" pitchFamily="2" charset="2"/>
-              <a:buChar char="q"/>
-            </a:pPr>
-            <a:endParaRPr lang="en-US" dirty="0">
-              <a:latin typeface="Century Gothic" panose="020B0502020202020204" pitchFamily="34" charset="0"/>
-            </a:endParaRPr>
-          </a:p>
-          <a:p>
-            <a:pPr>
-              <a:buFont typeface="Wingdings" panose="05000000000000000000" pitchFamily="2" charset="2"/>
-              <a:buChar char="q"/>
-            </a:pPr>
-            <a:endParaRPr lang="en-US" dirty="0">
-              <a:latin typeface="Century Gothic" panose="020B0502020202020204" pitchFamily="34" charset="0"/>
-            </a:endParaRPr>
-          </a:p>
-          <a:p>
-            <a:endParaRPr lang="en-US" dirty="0"/>
           </a:p>
         </p:txBody>
       </p:sp>
     </p:spTree>
     <p:extLst>
       <p:ext uri="{BB962C8B-B14F-4D97-AF65-F5344CB8AC3E}">
-        <p14:creationId xmlns:p14="http://schemas.microsoft.com/office/powerpoint/2010/main" val="2661439532"/>
+        <p14:creationId xmlns:p14="http://schemas.microsoft.com/office/powerpoint/2010/main" val="153529325"/>
       </p:ext>
     </p:extLst>
   </p:cSld>
@@ -12961,7 +13144,7 @@
           <p:cNvPr id="2" name="Title 1">
             <a:extLst>
               <a:ext uri="{FF2B5EF4-FFF2-40B4-BE49-F238E27FC236}">
-                <a16:creationId xmlns:a16="http://schemas.microsoft.com/office/drawing/2014/main" xmlns="" id="{A963DD68-D09D-4BBF-A7F4-21FB142DB43A}"/>
+                <a16:creationId xmlns:a16="http://schemas.microsoft.com/office/drawing/2014/main" xmlns="" id="{6BE8859D-ECEC-4CE4-9EAC-540EF73A147D}"/>
               </a:ext>
             </a:extLst>
           </p:cNvPr>
@@ -12972,12 +13155,7 @@
             <p:ph type="title"/>
           </p:nvPr>
         </p:nvSpPr>
-        <p:spPr>
-          <a:xfrm>
-            <a:off x="1425239" y="-241300"/>
-            <a:ext cx="10018713" cy="1752599"/>
-          </a:xfrm>
-        </p:spPr>
+        <p:spPr/>
         <p:txBody>
           <a:bodyPr/>
           <a:lstStyle/>
@@ -12986,91 +13164,155 @@
               <a:rPr lang="en-US" dirty="0">
                 <a:latin typeface="Century Gothic" panose="020B0502020202020204" pitchFamily="34" charset="0"/>
               </a:rPr>
-              <a:t>Population</a:t>
-            </a:r>
-          </a:p>
-        </p:txBody>
-      </p:sp>
-      <p:pic>
-        <p:nvPicPr>
-          <p:cNvPr id="7" name="Picture 6" descr="A screenshot of a cell phone&#10;&#10;Description generated with very high confidence">
+              <a:t>Metrics</a:t>
+            </a:r>
+          </a:p>
+        </p:txBody>
+      </p:sp>
+      <p:sp>
+        <p:nvSpPr>
+          <p:cNvPr id="3" name="Content Placeholder 2">
             <a:extLst>
               <a:ext uri="{FF2B5EF4-FFF2-40B4-BE49-F238E27FC236}">
-                <a16:creationId xmlns:a16="http://schemas.microsoft.com/office/drawing/2014/main" xmlns="" id="{9359C768-6D82-4D02-9418-70CCC34CFC85}"/>
+                <a16:creationId xmlns:a16="http://schemas.microsoft.com/office/drawing/2014/main" xmlns="" id="{C5035E2B-F335-4844-8AA4-CB0CDAFE8D63}"/>
               </a:ext>
             </a:extLst>
           </p:cNvPr>
-          <p:cNvPicPr>
-            <a:picLocks noChangeAspect="1"/>
-          </p:cNvPicPr>
-          <p:nvPr/>
-        </p:nvPicPr>
-        <p:blipFill>
-          <a:blip r:embed="rId2">
-            <a:extLst>
-              <a:ext uri="{28A0092B-C50C-407E-A947-70E740481C1C}">
-                <a14:useLocalDpi xmlns:a14="http://schemas.microsoft.com/office/drawing/2010/main" val="0"/>
-              </a:ext>
-            </a:extLst>
-          </a:blip>
-          <a:stretch>
-            <a:fillRect/>
-          </a:stretch>
-        </p:blipFill>
+          <p:cNvSpPr>
+            <a:spLocks noGrp="1"/>
+          </p:cNvSpPr>
+          <p:nvPr>
+            <p:ph idx="1"/>
+          </p:nvPr>
+        </p:nvSpPr>
         <p:spPr>
           <a:xfrm>
-            <a:off x="481047" y="1511299"/>
-            <a:ext cx="4290825" cy="4290825"/>
+            <a:off x="1901560" y="2857501"/>
+            <a:ext cx="10018713" cy="3124201"/>
           </a:xfrm>
-          <a:prstGeom prst="rect">
-            <a:avLst/>
-          </a:prstGeom>
-          <a:ln>
-            <a:noFill/>
-          </a:ln>
-          <a:effectLst>
-            <a:outerShdw blurRad="292100" dist="139700" dir="2700000" algn="tl" rotWithShape="0">
-              <a:srgbClr val="333333">
-                <a:alpha val="65000"/>
-              </a:srgbClr>
-            </a:outerShdw>
-          </a:effectLst>
         </p:spPr>
-      </p:pic>
-      <p:pic>
-        <p:nvPicPr>
-          <p:cNvPr id="3" name="Picture 2"/>
-          <p:cNvPicPr>
-            <a:picLocks noChangeAspect="1"/>
-          </p:cNvPicPr>
-          <p:nvPr/>
-        </p:nvPicPr>
-        <p:blipFill>
-          <a:blip r:embed="rId3">
-            <a:extLst>
-              <a:ext uri="{28A0092B-C50C-407E-A947-70E740481C1C}">
-                <a14:useLocalDpi xmlns:a14="http://schemas.microsoft.com/office/drawing/2010/main" val="0"/>
-              </a:ext>
-            </a:extLst>
-          </a:blip>
-          <a:stretch>
-            <a:fillRect/>
-          </a:stretch>
-        </p:blipFill>
-        <p:spPr>
-          <a:xfrm>
-            <a:off x="5364712" y="1511299"/>
-            <a:ext cx="5486400" cy="3657600"/>
-          </a:xfrm>
-          <a:prstGeom prst="rect">
-            <a:avLst/>
-          </a:prstGeom>
-        </p:spPr>
-      </p:pic>
+        <p:txBody>
+          <a:bodyPr>
+            <a:noAutofit/>
+          </a:bodyPr>
+          <a:lstStyle/>
+          <a:p>
+            <a:pPr marL="0" indent="0">
+              <a:buNone/>
+            </a:pPr>
+            <a:r>
+              <a:rPr lang="en-US" sz="3200" dirty="0">
+                <a:latin typeface="Century Gothic" panose="020B0502020202020204" pitchFamily="34" charset="0"/>
+              </a:rPr>
+              <a:t>Yelp Metrics</a:t>
+            </a:r>
+          </a:p>
+          <a:p>
+            <a:pPr>
+              <a:buFont typeface="Wingdings" panose="05000000000000000000" pitchFamily="2" charset="2"/>
+              <a:buChar char="q"/>
+            </a:pPr>
+            <a:r>
+              <a:rPr lang="en-US" sz="2000" dirty="0">
+                <a:latin typeface="Century Gothic" panose="020B0502020202020204" pitchFamily="34" charset="0"/>
+              </a:rPr>
+              <a:t>Review Ratings</a:t>
+            </a:r>
+          </a:p>
+          <a:p>
+            <a:pPr>
+              <a:buFont typeface="Wingdings" panose="05000000000000000000" pitchFamily="2" charset="2"/>
+              <a:buChar char="q"/>
+            </a:pPr>
+            <a:r>
+              <a:rPr lang="en-US" sz="2000" dirty="0">
+                <a:latin typeface="Century Gothic" panose="020B0502020202020204" pitchFamily="34" charset="0"/>
+              </a:rPr>
+              <a:t>Review Quantity</a:t>
+            </a:r>
+          </a:p>
+          <a:p>
+            <a:pPr marL="0" indent="0">
+              <a:buNone/>
+            </a:pPr>
+            <a:endParaRPr lang="en-US" sz="600" dirty="0">
+              <a:latin typeface="Century Gothic" panose="020B0502020202020204" pitchFamily="34" charset="0"/>
+            </a:endParaRPr>
+          </a:p>
+          <a:p>
+            <a:pPr marL="0" indent="0">
+              <a:buNone/>
+            </a:pPr>
+            <a:r>
+              <a:rPr lang="en-US" sz="3200" dirty="0">
+                <a:latin typeface="Century Gothic" panose="020B0502020202020204" pitchFamily="34" charset="0"/>
+              </a:rPr>
+              <a:t>Demographics</a:t>
+            </a:r>
+          </a:p>
+          <a:p>
+            <a:pPr>
+              <a:buFont typeface="Wingdings" panose="05000000000000000000" pitchFamily="2" charset="2"/>
+              <a:buChar char="q"/>
+            </a:pPr>
+            <a:r>
+              <a:rPr lang="en-US" sz="2000" dirty="0">
+                <a:latin typeface="Century Gothic" panose="020B0502020202020204" pitchFamily="34" charset="0"/>
+              </a:rPr>
+              <a:t>Age </a:t>
+            </a:r>
+          </a:p>
+          <a:p>
+            <a:pPr>
+              <a:buFont typeface="Wingdings" panose="05000000000000000000" pitchFamily="2" charset="2"/>
+              <a:buChar char="q"/>
+            </a:pPr>
+            <a:r>
+              <a:rPr lang="en-US" sz="2000" dirty="0">
+                <a:latin typeface="Century Gothic" panose="020B0502020202020204" pitchFamily="34" charset="0"/>
+              </a:rPr>
+              <a:t>Ethnicity </a:t>
+            </a:r>
+          </a:p>
+          <a:p>
+            <a:pPr>
+              <a:buFont typeface="Wingdings" panose="05000000000000000000" pitchFamily="2" charset="2"/>
+              <a:buChar char="q"/>
+            </a:pPr>
+            <a:r>
+              <a:rPr lang="en-US" sz="2000" dirty="0">
+                <a:latin typeface="Century Gothic" panose="020B0502020202020204" pitchFamily="34" charset="0"/>
+              </a:rPr>
+              <a:t>Income</a:t>
+            </a:r>
+          </a:p>
+          <a:p>
+            <a:pPr>
+              <a:buFont typeface="Wingdings" panose="05000000000000000000" pitchFamily="2" charset="2"/>
+              <a:buChar char="q"/>
+            </a:pPr>
+            <a:r>
+              <a:rPr lang="en-US" sz="2000" dirty="0">
+                <a:latin typeface="Century Gothic" panose="020B0502020202020204" pitchFamily="34" charset="0"/>
+              </a:rPr>
+              <a:t>Population</a:t>
+            </a:r>
+          </a:p>
+          <a:p>
+            <a:pPr>
+              <a:buFont typeface="Wingdings" panose="05000000000000000000" pitchFamily="2" charset="2"/>
+              <a:buChar char="q"/>
+            </a:pPr>
+            <a:endParaRPr lang="en-US" sz="2000" dirty="0">
+              <a:latin typeface="Century Gothic" panose="020B0502020202020204" pitchFamily="34" charset="0"/>
+            </a:endParaRPr>
+          </a:p>
+        </p:txBody>
+      </p:sp>
     </p:spTree>
     <p:extLst>
       <p:ext uri="{BB962C8B-B14F-4D97-AF65-F5344CB8AC3E}">
-        <p14:creationId xmlns:p14="http://schemas.microsoft.com/office/powerpoint/2010/main" val="2582316527"/>
+        <p14:creationId xmlns:p14="http://schemas.microsoft.com/office/powerpoint/2010/main" val="2628064748"/>
       </p:ext>
     </p:extLst>
   </p:cSld>
@@ -13102,7 +13344,7 @@
           <p:cNvPr id="2" name="Title 1">
             <a:extLst>
               <a:ext uri="{FF2B5EF4-FFF2-40B4-BE49-F238E27FC236}">
-                <a16:creationId xmlns:a16="http://schemas.microsoft.com/office/drawing/2014/main" xmlns="" id="{EFCE46B2-DE65-4A6A-B6D3-62E94E56C710}"/>
+                <a16:creationId xmlns:a16="http://schemas.microsoft.com/office/drawing/2014/main" xmlns="" id="{7FA8AF37-0410-4CBB-A859-7A57AB6AC3BE}"/>
               </a:ext>
             </a:extLst>
           </p:cNvPr>
@@ -13113,87 +13355,148 @@
             <p:ph type="title"/>
           </p:nvPr>
         </p:nvSpPr>
+        <p:spPr/>
+        <p:txBody>
+          <a:bodyPr>
+            <a:normAutofit/>
+          </a:bodyPr>
+          <a:lstStyle/>
+          <a:p>
+            <a:r>
+              <a:rPr lang="en-US" sz="4000" dirty="0">
+                <a:latin typeface="Century Gothic" panose="020B0502020202020204" pitchFamily="34" charset="0"/>
+              </a:rPr>
+              <a:t>Are reviews an accurate representation?</a:t>
+            </a:r>
+          </a:p>
+        </p:txBody>
+      </p:sp>
+      <p:sp>
+        <p:nvSpPr>
+          <p:cNvPr id="3" name="Content Placeholder 2">
+            <a:extLst>
+              <a:ext uri="{FF2B5EF4-FFF2-40B4-BE49-F238E27FC236}">
+                <a16:creationId xmlns:a16="http://schemas.microsoft.com/office/drawing/2014/main" xmlns="" id="{B8276DC7-BF44-4509-8C54-E0D709044364}"/>
+              </a:ext>
+            </a:extLst>
+          </p:cNvPr>
+          <p:cNvSpPr>
+            <a:spLocks noGrp="1"/>
+          </p:cNvSpPr>
+          <p:nvPr>
+            <p:ph idx="1"/>
+          </p:nvPr>
+        </p:nvSpPr>
         <p:spPr>
           <a:xfrm>
-            <a:off x="1418544" y="0"/>
-            <a:ext cx="10018713" cy="1752599"/>
+            <a:off x="1555331" y="3926149"/>
+            <a:ext cx="10018713" cy="3124201"/>
           </a:xfrm>
         </p:spPr>
         <p:txBody>
-          <a:bodyPr/>
+          <a:bodyPr>
+            <a:normAutofit lnSpcReduction="10000"/>
+          </a:bodyPr>
           <a:lstStyle/>
           <a:p>
-            <a:r>
-              <a:rPr lang="en-US" smtClean="0"/>
-              <a:t>Ethnicity of Yelp Users</a:t>
-            </a:r>
+            <a:pPr marL="0" indent="0">
+              <a:buNone/>
+            </a:pPr>
+            <a:r>
+              <a:rPr lang="en-US" dirty="0">
+                <a:latin typeface="Century Gothic" panose="020B0502020202020204" pitchFamily="34" charset="0"/>
+              </a:rPr>
+              <a:t>Ratings</a:t>
+            </a:r>
+          </a:p>
+          <a:p>
+            <a:pPr>
+              <a:buFont typeface="Wingdings" panose="05000000000000000000" pitchFamily="2" charset="2"/>
+              <a:buChar char="q"/>
+            </a:pPr>
+            <a:r>
+              <a:rPr lang="en-US" dirty="0">
+                <a:latin typeface="Century Gothic" panose="020B0502020202020204" pitchFamily="34" charset="0"/>
+              </a:rPr>
+              <a:t>Do consumers skew towards ratings that are more favorable or unfavorable?</a:t>
+            </a:r>
+          </a:p>
+          <a:p>
+            <a:pPr marL="0" indent="0">
+              <a:buNone/>
+            </a:pPr>
+            <a:endParaRPr lang="en-US" dirty="0">
+              <a:latin typeface="Century Gothic" panose="020B0502020202020204" pitchFamily="34" charset="0"/>
+            </a:endParaRPr>
+          </a:p>
+          <a:p>
+            <a:pPr marL="0" indent="0">
+              <a:buNone/>
+            </a:pPr>
+            <a:r>
+              <a:rPr lang="en-US" dirty="0">
+                <a:latin typeface="Century Gothic" panose="020B0502020202020204" pitchFamily="34" charset="0"/>
+              </a:rPr>
+              <a:t>Demographics:</a:t>
+            </a:r>
+          </a:p>
+          <a:p>
+            <a:pPr>
+              <a:buFont typeface="Wingdings" panose="05000000000000000000" pitchFamily="2" charset="2"/>
+              <a:buChar char="q"/>
+            </a:pPr>
+            <a:r>
+              <a:rPr lang="en-US" dirty="0">
+                <a:latin typeface="Century Gothic" panose="020B0502020202020204" pitchFamily="34" charset="0"/>
+              </a:rPr>
+              <a:t>Do socio-economic factors of an area affect the local business ratings and reviews?</a:t>
+            </a:r>
+          </a:p>
+          <a:p>
+            <a:pPr>
+              <a:buFont typeface="Wingdings" panose="05000000000000000000" pitchFamily="2" charset="2"/>
+              <a:buChar char="q"/>
+            </a:pPr>
+            <a:endParaRPr lang="en-US" dirty="0">
+              <a:latin typeface="Century Gothic" panose="020B0502020202020204" pitchFamily="34" charset="0"/>
+            </a:endParaRPr>
+          </a:p>
+          <a:p>
+            <a:pPr>
+              <a:buFont typeface="Wingdings" panose="05000000000000000000" pitchFamily="2" charset="2"/>
+              <a:buChar char="q"/>
+            </a:pPr>
+            <a:endParaRPr lang="en-US" dirty="0">
+              <a:latin typeface="Century Gothic" panose="020B0502020202020204" pitchFamily="34" charset="0"/>
+            </a:endParaRPr>
+          </a:p>
+          <a:p>
+            <a:pPr>
+              <a:buFont typeface="Wingdings" panose="05000000000000000000" pitchFamily="2" charset="2"/>
+              <a:buChar char="q"/>
+            </a:pPr>
+            <a:endParaRPr lang="en-US" dirty="0">
+              <a:latin typeface="Century Gothic" panose="020B0502020202020204" pitchFamily="34" charset="0"/>
+            </a:endParaRPr>
+          </a:p>
+          <a:p>
+            <a:pPr>
+              <a:buFont typeface="Wingdings" panose="05000000000000000000" pitchFamily="2" charset="2"/>
+              <a:buChar char="q"/>
+            </a:pPr>
+            <a:endParaRPr lang="en-US" dirty="0">
+              <a:latin typeface="Century Gothic" panose="020B0502020202020204" pitchFamily="34" charset="0"/>
+            </a:endParaRPr>
+          </a:p>
+          <a:p>
             <a:endParaRPr lang="en-US" dirty="0"/>
           </a:p>
         </p:txBody>
       </p:sp>
-      <p:pic>
-        <p:nvPicPr>
-          <p:cNvPr id="3" name="Picture 2"/>
-          <p:cNvPicPr>
-            <a:picLocks noChangeAspect="1"/>
-          </p:cNvPicPr>
-          <p:nvPr/>
-        </p:nvPicPr>
-        <p:blipFill rotWithShape="1">
-          <a:blip r:embed="rId2">
-            <a:extLst>
-              <a:ext uri="{28A0092B-C50C-407E-A947-70E740481C1C}">
-                <a14:useLocalDpi xmlns:a14="http://schemas.microsoft.com/office/drawing/2010/main" val="0"/>
-              </a:ext>
-            </a:extLst>
-          </a:blip>
-          <a:srcRect t="6938" b="5766"/>
-          <a:stretch/>
-        </p:blipFill>
-        <p:spPr>
-          <a:xfrm>
-            <a:off x="201385" y="2024743"/>
-            <a:ext cx="5867400" cy="2705100"/>
-          </a:xfrm>
-          <a:prstGeom prst="rect">
-            <a:avLst/>
-          </a:prstGeom>
-        </p:spPr>
-      </p:pic>
-      <p:pic>
-        <p:nvPicPr>
-          <p:cNvPr id="5" name="Picture 4"/>
-          <p:cNvPicPr>
-            <a:picLocks noChangeAspect="1"/>
-          </p:cNvPicPr>
-          <p:nvPr/>
-        </p:nvPicPr>
-        <p:blipFill>
-          <a:blip r:embed="rId3">
-            <a:extLst>
-              <a:ext uri="{28A0092B-C50C-407E-A947-70E740481C1C}">
-                <a14:useLocalDpi xmlns:a14="http://schemas.microsoft.com/office/drawing/2010/main" val="0"/>
-              </a:ext>
-            </a:extLst>
-          </a:blip>
-          <a:stretch>
-            <a:fillRect/>
-          </a:stretch>
-        </p:blipFill>
-        <p:spPr>
-          <a:xfrm>
-            <a:off x="6177642" y="2024743"/>
-            <a:ext cx="5803900" cy="2705100"/>
-          </a:xfrm>
-          <a:prstGeom prst="rect">
-            <a:avLst/>
-          </a:prstGeom>
-        </p:spPr>
-      </p:pic>
     </p:spTree>
     <p:extLst>
       <p:ext uri="{BB962C8B-B14F-4D97-AF65-F5344CB8AC3E}">
-        <p14:creationId xmlns:p14="http://schemas.microsoft.com/office/powerpoint/2010/main" val="926815619"/>
+        <p14:creationId xmlns:p14="http://schemas.microsoft.com/office/powerpoint/2010/main" val="2661439532"/>
       </p:ext>
     </p:extLst>
   </p:cSld>
